--- a/Presentation.pptx
+++ b/Presentation.pptx
@@ -5,39 +5,40 @@
     <p:sldMasterId id="2147483660" r:id="rId1"/>
   </p:sldMasterIdLst>
   <p:notesMasterIdLst>
-    <p:notesMasterId r:id="rId32"/>
+    <p:notesMasterId r:id="rId33"/>
   </p:notesMasterIdLst>
   <p:sldIdLst>
     <p:sldId id="256" r:id="rId2"/>
     <p:sldId id="263" r:id="rId3"/>
-    <p:sldId id="258" r:id="rId4"/>
-    <p:sldId id="260" r:id="rId5"/>
-    <p:sldId id="261" r:id="rId6"/>
-    <p:sldId id="264" r:id="rId7"/>
-    <p:sldId id="265" r:id="rId8"/>
-    <p:sldId id="266" r:id="rId9"/>
-    <p:sldId id="267" r:id="rId10"/>
-    <p:sldId id="268" r:id="rId11"/>
-    <p:sldId id="269" r:id="rId12"/>
-    <p:sldId id="270" r:id="rId13"/>
-    <p:sldId id="271" r:id="rId14"/>
-    <p:sldId id="272" r:id="rId15"/>
-    <p:sldId id="273" r:id="rId16"/>
-    <p:sldId id="274" r:id="rId17"/>
-    <p:sldId id="275" r:id="rId18"/>
-    <p:sldId id="276" r:id="rId19"/>
-    <p:sldId id="277" r:id="rId20"/>
-    <p:sldId id="278" r:id="rId21"/>
-    <p:sldId id="279" r:id="rId22"/>
-    <p:sldId id="281" r:id="rId23"/>
-    <p:sldId id="280" r:id="rId24"/>
-    <p:sldId id="288" r:id="rId25"/>
-    <p:sldId id="282" r:id="rId26"/>
-    <p:sldId id="283" r:id="rId27"/>
-    <p:sldId id="284" r:id="rId28"/>
+    <p:sldId id="260" r:id="rId4"/>
+    <p:sldId id="261" r:id="rId5"/>
+    <p:sldId id="264" r:id="rId6"/>
+    <p:sldId id="265" r:id="rId7"/>
+    <p:sldId id="266" r:id="rId8"/>
+    <p:sldId id="267" r:id="rId9"/>
+    <p:sldId id="268" r:id="rId10"/>
+    <p:sldId id="269" r:id="rId11"/>
+    <p:sldId id="270" r:id="rId12"/>
+    <p:sldId id="271" r:id="rId13"/>
+    <p:sldId id="272" r:id="rId14"/>
+    <p:sldId id="273" r:id="rId15"/>
+    <p:sldId id="274" r:id="rId16"/>
+    <p:sldId id="275" r:id="rId17"/>
+    <p:sldId id="276" r:id="rId18"/>
+    <p:sldId id="277" r:id="rId19"/>
+    <p:sldId id="278" r:id="rId20"/>
+    <p:sldId id="279" r:id="rId21"/>
+    <p:sldId id="281" r:id="rId22"/>
+    <p:sldId id="280" r:id="rId23"/>
+    <p:sldId id="288" r:id="rId24"/>
+    <p:sldId id="282" r:id="rId25"/>
+    <p:sldId id="283" r:id="rId26"/>
+    <p:sldId id="284" r:id="rId27"/>
+    <p:sldId id="290" r:id="rId28"/>
     <p:sldId id="286" r:id="rId29"/>
     <p:sldId id="287" r:id="rId30"/>
     <p:sldId id="289" r:id="rId31"/>
+    <p:sldId id="258" r:id="rId32"/>
   </p:sldIdLst>
   <p:sldSz cx="9144000" cy="6858000" type="screen4x3"/>
   <p:notesSz cx="6858000" cy="9144000"/>
@@ -136,7 +137,16 @@
       </a:defRPr>
     </a:lvl9pPr>
   </p:defaultTextStyle>
+  <p:extLst>
+    <p:ext uri="{EFAFB233-063F-42B5-8137-9DF3F51BA10A}">
+      <p15:sldGuideLst xmlns:p15="http://schemas.microsoft.com/office/powerpoint/2012/main"/>
+    </p:ext>
+  </p:extLst>
 </p:presentation>
+</file>
+
+<file path=ppt/revisionInfo.xml><?xml version="1.0" encoding="utf-8"?>
+<p1510:revInfo xmlns:a="http://schemas.openxmlformats.org/drawingml/2006/main" xmlns:r="http://schemas.openxmlformats.org/officeDocument/2006/relationships" xmlns:p1510="http://schemas.microsoft.com/office/powerpoint/2015/10/main"/>
 </file>
 
 <file path=ppt/notesMasters/notesMaster1.xml><?xml version="1.0" encoding="utf-8"?>
@@ -569,6 +579,223 @@
               <a:t>Hệ thống giải đáp các câu trắc nghiệm</a:t>
             </a:r>
           </a:p>
+          <a:p>
+            <a:r>
+              <a:rPr lang="vi-VN"/>
+              <a:t>Giới thiệu</a:t>
+            </a:r>
+          </a:p>
+          <a:p>
+            <a:r>
+              <a:rPr lang="vi-VN"/>
+              <a:t>Tình hình tiếng Anh</a:t>
+            </a:r>
+          </a:p>
+          <a:p>
+            <a:r>
+              <a:rPr lang="vi-VN"/>
+              <a:t>Giới thiệu vấn đề</a:t>
+            </a:r>
+          </a:p>
+          <a:p>
+            <a:r>
+              <a:rPr lang="vi-VN"/>
+              <a:t>Hệ thống đề xuất</a:t>
+            </a:r>
+          </a:p>
+          <a:p>
+            <a:endParaRPr lang="vi-VN"/>
+          </a:p>
+          <a:p>
+            <a:r>
+              <a:rPr lang="vi-VN"/>
+              <a:t>Phát biểu bài toán và đối tượng nghiên cứu</a:t>
+            </a:r>
+          </a:p>
+          <a:p>
+            <a:endParaRPr lang="vi-VN"/>
+          </a:p>
+          <a:p>
+            <a:r>
+              <a:rPr lang="vi-VN"/>
+              <a:t>Khảo sát chatbot</a:t>
+            </a:r>
+          </a:p>
+          <a:p>
+            <a:endParaRPr lang="vi-VN"/>
+          </a:p>
+          <a:p>
+            <a:r>
+              <a:rPr lang="vi-VN"/>
+              <a:t>Các hướng tiếp cận trước đây</a:t>
+            </a:r>
+          </a:p>
+          <a:p>
+            <a:r>
+              <a:rPr lang="vi-VN"/>
+              <a:t>Khó khăn -&gt; rất ít các nghiên cứu tìm hiểu và hiện thực vấn đề này</a:t>
+            </a:r>
+          </a:p>
+          <a:p>
+            <a:r>
+              <a:rPr lang="vi-VN"/>
+              <a:t>	 -&gt; Các nghiên cứu trước đó</a:t>
+            </a:r>
+          </a:p>
+          <a:p>
+            <a:r>
+              <a:rPr lang="vi-VN"/>
+              <a:t>Các mô hình trước đó</a:t>
+            </a:r>
+          </a:p>
+          <a:p>
+            <a:r>
+              <a:rPr lang="vi-VN"/>
+              <a:t>-&gt; Chọn mô hình tối ưu</a:t>
+            </a:r>
+          </a:p>
+          <a:p>
+            <a:endParaRPr lang="vi-VN"/>
+          </a:p>
+          <a:p>
+            <a:endParaRPr lang="vi-VN"/>
+          </a:p>
+          <a:p>
+            <a:r>
+              <a:rPr lang="vi-VN"/>
+              <a:t>Mô hình đề xuất</a:t>
+            </a:r>
+          </a:p>
+          <a:p>
+            <a:r>
+              <a:rPr lang="vi-VN"/>
+              <a:t>Ngữ liệu</a:t>
+            </a:r>
+          </a:p>
+          <a:p>
+            <a:r>
+              <a:rPr lang="vi-VN"/>
+              <a:t>-&gt; Giới thiệu bộ ngữ liệu</a:t>
+            </a:r>
+          </a:p>
+          <a:p>
+            <a:r>
+              <a:rPr lang="vi-VN"/>
+              <a:t>N-gram</a:t>
+            </a:r>
+          </a:p>
+          <a:p>
+            <a:r>
+              <a:rPr lang="vi-VN"/>
+              <a:t>-&gt; Tiền xử lý văn bản</a:t>
+            </a:r>
+          </a:p>
+          <a:p>
+            <a:r>
+              <a:rPr lang="vi-VN"/>
+              <a:t>-&gt; Giải thuật chọn đáp án</a:t>
+            </a:r>
+          </a:p>
+          <a:p>
+            <a:endParaRPr lang="vi-VN"/>
+          </a:p>
+          <a:p>
+            <a:r>
+              <a:rPr lang="vi-VN"/>
+              <a:t>Xây dựng hệ thống</a:t>
+            </a:r>
+          </a:p>
+          <a:p>
+            <a:r>
+              <a:rPr lang="vi-VN"/>
+              <a:t>Giới thiệu dịch vụ Azure</a:t>
+            </a:r>
+          </a:p>
+          <a:p>
+            <a:r>
+              <a:rPr lang="vi-VN"/>
+              <a:t>-&gt; điện toán đám mây</a:t>
+            </a:r>
+          </a:p>
+          <a:p>
+            <a:r>
+              <a:rPr lang="vi-VN"/>
+              <a:t>-&gt; lợi ích</a:t>
+            </a:r>
+          </a:p>
+          <a:p>
+            <a:r>
+              <a:rPr lang="vi-VN"/>
+              <a:t>-&gt; studio Machine learning</a:t>
+            </a:r>
+          </a:p>
+          <a:p>
+            <a:endParaRPr lang="vi-VN"/>
+          </a:p>
+          <a:p>
+            <a:r>
+              <a:rPr lang="vi-VN"/>
+              <a:t>Giới thiệu dịch vụ Heroku</a:t>
+            </a:r>
+          </a:p>
+          <a:p>
+            <a:r>
+              <a:rPr lang="vi-VN"/>
+              <a:t>-&gt; Server với tên miền</a:t>
+            </a:r>
+          </a:p>
+          <a:p>
+            <a:endParaRPr lang="vi-VN"/>
+          </a:p>
+          <a:p>
+            <a:r>
+              <a:rPr lang="vi-VN"/>
+              <a:t>Giới thiệu dịch vụ facebook</a:t>
+            </a:r>
+          </a:p>
+          <a:p>
+            <a:r>
+              <a:rPr lang="vi-VN"/>
+              <a:t>-&gt; mạng xã hội và chatbot</a:t>
+            </a:r>
+          </a:p>
+          <a:p>
+            <a:endParaRPr lang="vi-VN"/>
+          </a:p>
+          <a:p>
+            <a:r>
+              <a:rPr lang="vi-VN"/>
+              <a:t>Demo hệ thống</a:t>
+            </a:r>
+          </a:p>
+          <a:p>
+            <a:r>
+              <a:rPr lang="vi-VN"/>
+              <a:t>-&gt; chat bot</a:t>
+            </a:r>
+          </a:p>
+          <a:p>
+            <a:endParaRPr lang="vi-VN"/>
+          </a:p>
+          <a:p>
+            <a:r>
+              <a:rPr lang="vi-VN"/>
+              <a:t>Kết quả khảo sát</a:t>
+            </a:r>
+          </a:p>
+          <a:p>
+            <a:r>
+              <a:rPr lang="vi-VN"/>
+              <a:t>Kết quả khảo sát</a:t>
+            </a:r>
+          </a:p>
+          <a:p>
+            <a:r>
+              <a:rPr lang="vi-VN"/>
+              <a:t>Khảo sát tốc độ thực thi</a:t>
+            </a:r>
+            <a:endParaRPr lang="en-US"/>
+          </a:p>
         </p:txBody>
       </p:sp>
       <p:sp>
@@ -651,6 +878,7 @@
           <a:bodyPr/>
           <a:lstStyle/>
           <a:p>
+            <a:pPr lvl="0"/>
             <a:r>
               <a:rPr lang="en-US" sz="1200" kern="1200">
                 <a:solidFill>
@@ -661,10 +889,11 @@
                 <a:ea typeface="+mn-ea"/>
                 <a:cs typeface="+mn-cs"/>
               </a:rPr>
-              <a:t>Bộ ngữ liệu đơn giản là một tệp tin với các mẫu tin tức khác nhau</a:t>
-            </a:r>
-          </a:p>
-          <a:p>
+              <a:t>Loại bỏ stop-words (Ví dụ: bỏ các từ: “the”, “a”, “about”, “all”, “didn’t”, …)</a:t>
+            </a:r>
+          </a:p>
+          <a:p>
+            <a:pPr lvl="0"/>
             <a:r>
               <a:rPr lang="en-US" sz="1200" kern="1200">
                 <a:solidFill>
@@ -675,10 +904,11 @@
                 <a:ea typeface="+mn-ea"/>
                 <a:cs typeface="+mn-cs"/>
               </a:rPr>
-              <a:t>2007 (dung lượng 462MB – 3, 782, 549 dòng) </a:t>
-            </a:r>
-          </a:p>
-          <a:p>
+              <a:t>Đơn giản hóa định dạng từ về dạng kinh điển (Ví dụ: “them, their” thành “they”, “died” thành “die”, “fruits” thành “fruit”, …)</a:t>
+            </a:r>
+          </a:p>
+          <a:p>
+            <a:pPr lvl="0"/>
             <a:r>
               <a:rPr lang="en-US" sz="1200" kern="1200">
                 <a:solidFill>
@@ -689,9 +919,68 @@
                 <a:ea typeface="+mn-ea"/>
                 <a:cs typeface="+mn-cs"/>
               </a:rPr>
-              <a:t>2014 (4,1 GB) </a:t>
-            </a:r>
-            <a:endParaRPr lang="en-US"/>
+              <a:t>Thêm thành phần để phát hiện bắt đầu câu (Ví dụ: “I am a man” thành “&lt;P&gt; I am a man”)</a:t>
+            </a:r>
+          </a:p>
+          <a:p>
+            <a:pPr lvl="0"/>
+            <a:r>
+              <a:rPr lang="en-US" sz="1200" kern="1200">
+                <a:solidFill>
+                  <a:schemeClr val="tx1"/>
+                </a:solidFill>
+                <a:effectLst/>
+                <a:latin typeface="+mn-lt"/>
+                <a:ea typeface="+mn-ea"/>
+                <a:cs typeface="+mn-cs"/>
+              </a:rPr>
+              <a:t>Loại bỏ dấu câu (Ví dụ: xóa các dấu “.”, “,”, “!”, …)</a:t>
+            </a:r>
+          </a:p>
+          <a:p>
+            <a:pPr lvl="0"/>
+            <a:r>
+              <a:rPr lang="en-US" sz="1200" kern="1200">
+                <a:solidFill>
+                  <a:schemeClr val="tx1"/>
+                </a:solidFill>
+                <a:effectLst/>
+                <a:latin typeface="+mn-lt"/>
+                <a:ea typeface="+mn-ea"/>
+                <a:cs typeface="+mn-cs"/>
+              </a:rPr>
+              <a:t>Loại bỏ các thành phần đặc biệt (Ví dụ: loại bỏ các email như “13520564@gm.uit.edu.vn” hoặc “example@host.com”. Loại bỏ số như: loại bỏ các số điện thoại “0121 2234 1909” hoặc “1990’s” thành “ ’s ”. Loại bỏ các đường dẫn đến địa chỉ website như: “https://www.google.com”)</a:t>
+            </a:r>
+          </a:p>
+          <a:p>
+            <a:pPr lvl="0"/>
+            <a:r>
+              <a:rPr lang="en-US" sz="1200" kern="1200">
+                <a:solidFill>
+                  <a:schemeClr val="tx1"/>
+                </a:solidFill>
+                <a:effectLst/>
+                <a:latin typeface="+mn-lt"/>
+                <a:ea typeface="+mn-ea"/>
+                <a:cs typeface="+mn-cs"/>
+              </a:rPr>
+              <a:t>Thay thế từ viết tắc (Ví dụ: “wouldn’t” thành “would not”, “let’s” thành “let us”, “I’ve” thành “I have”)</a:t>
+            </a:r>
+          </a:p>
+          <a:p>
+            <a:pPr lvl="0"/>
+            <a:r>
+              <a:rPr lang="en-US" sz="1200" kern="1200">
+                <a:solidFill>
+                  <a:schemeClr val="tx1"/>
+                </a:solidFill>
+                <a:effectLst/>
+                <a:latin typeface="+mn-lt"/>
+                <a:ea typeface="+mn-ea"/>
+                <a:cs typeface="+mn-cs"/>
+              </a:rPr>
+              <a:t>…</a:t>
+            </a:r>
           </a:p>
         </p:txBody>
       </p:sp>
@@ -721,7 +1010,7 @@
     </p:spTree>
     <p:extLst>
       <p:ext uri="{BB962C8B-B14F-4D97-AF65-F5344CB8AC3E}">
-        <p14:creationId xmlns:p14="http://schemas.microsoft.com/office/powerpoint/2010/main" val="2469572542"/>
+        <p14:creationId xmlns:p14="http://schemas.microsoft.com/office/powerpoint/2010/main" val="2561384850"/>
       </p:ext>
     </p:extLst>
   </p:cSld>
@@ -786,7 +1075,7 @@
                 <a:ea typeface="+mn-ea"/>
                 <a:cs typeface="+mn-cs"/>
               </a:rPr>
-              <a:t>Loại bỏ stop-words (Ví dụ: bỏ các từ: “the”, “a”, “about”, “all”, “didn’t”, …)</a:t>
+              <a:t>(tr31)</a:t>
             </a:r>
           </a:p>
           <a:p>
@@ -801,82 +1090,7 @@
                 <a:ea typeface="+mn-ea"/>
                 <a:cs typeface="+mn-cs"/>
               </a:rPr>
-              <a:t>Đơn giản hóa định dạng từ về dạng kinh điển (Ví dụ: “them, their” thành “they”, “died” thành “die”, “fruits” thành “fruit”, …)</a:t>
-            </a:r>
-          </a:p>
-          <a:p>
-            <a:pPr lvl="0"/>
-            <a:r>
-              <a:rPr lang="en-US" sz="1200" kern="1200">
-                <a:solidFill>
-                  <a:schemeClr val="tx1"/>
-                </a:solidFill>
-                <a:effectLst/>
-                <a:latin typeface="+mn-lt"/>
-                <a:ea typeface="+mn-ea"/>
-                <a:cs typeface="+mn-cs"/>
-              </a:rPr>
-              <a:t>Thêm thành phần để phát hiện bắt đầu câu (Ví dụ: “I am a man” thành “&lt;P&gt; I am a man”)</a:t>
-            </a:r>
-          </a:p>
-          <a:p>
-            <a:pPr lvl="0"/>
-            <a:r>
-              <a:rPr lang="en-US" sz="1200" kern="1200">
-                <a:solidFill>
-                  <a:schemeClr val="tx1"/>
-                </a:solidFill>
-                <a:effectLst/>
-                <a:latin typeface="+mn-lt"/>
-                <a:ea typeface="+mn-ea"/>
-                <a:cs typeface="+mn-cs"/>
-              </a:rPr>
-              <a:t>Loại bỏ dấu câu (Ví dụ: xóa các dấu “.”, “,”, “!”, …)</a:t>
-            </a:r>
-          </a:p>
-          <a:p>
-            <a:pPr lvl="0"/>
-            <a:r>
-              <a:rPr lang="en-US" sz="1200" kern="1200">
-                <a:solidFill>
-                  <a:schemeClr val="tx1"/>
-                </a:solidFill>
-                <a:effectLst/>
-                <a:latin typeface="+mn-lt"/>
-                <a:ea typeface="+mn-ea"/>
-                <a:cs typeface="+mn-cs"/>
-              </a:rPr>
-              <a:t>Loại bỏ các thành phần đặc biệt (Ví dụ: loại bỏ các email như “13520564@gm.uit.edu.vn” hoặc “example@host.com”. Loại bỏ số như: loại bỏ các số điện thoại “0121 2234 1909” hoặc “1990’s” thành “ ’s ”. Loại bỏ các đường dẫn đến địa chỉ website như: “https://www.google.com”)</a:t>
-            </a:r>
-          </a:p>
-          <a:p>
-            <a:pPr lvl="0"/>
-            <a:r>
-              <a:rPr lang="en-US" sz="1200" kern="1200">
-                <a:solidFill>
-                  <a:schemeClr val="tx1"/>
-                </a:solidFill>
-                <a:effectLst/>
-                <a:latin typeface="+mn-lt"/>
-                <a:ea typeface="+mn-ea"/>
-                <a:cs typeface="+mn-cs"/>
-              </a:rPr>
-              <a:t>Thay thế từ viết tắc (Ví dụ: “wouldn’t” thành “would not”, “let’s” thành “let us”, “I’ve” thành “I have”)</a:t>
-            </a:r>
-          </a:p>
-          <a:p>
-            <a:pPr lvl="0"/>
-            <a:r>
-              <a:rPr lang="en-US" sz="1200" kern="1200">
-                <a:solidFill>
-                  <a:schemeClr val="tx1"/>
-                </a:solidFill>
-                <a:effectLst/>
-                <a:latin typeface="+mn-lt"/>
-                <a:ea typeface="+mn-ea"/>
-                <a:cs typeface="+mn-cs"/>
-              </a:rPr>
-              <a:t>…</a:t>
+              <a:t>Mẫu câu đề xuất, chỉ một ô trống</a:t>
             </a:r>
           </a:p>
         </p:txBody>
@@ -907,7 +1121,7 @@
     </p:spTree>
     <p:extLst>
       <p:ext uri="{BB962C8B-B14F-4D97-AF65-F5344CB8AC3E}">
-        <p14:creationId xmlns:p14="http://schemas.microsoft.com/office/powerpoint/2010/main" val="2561384850"/>
+        <p14:creationId xmlns:p14="http://schemas.microsoft.com/office/powerpoint/2010/main" val="547913921"/>
       </p:ext>
     </p:extLst>
   </p:cSld>
@@ -1093,7 +1307,7 @@
     </p:spTree>
     <p:extLst>
       <p:ext uri="{BB962C8B-B14F-4D97-AF65-F5344CB8AC3E}">
-        <p14:creationId xmlns:p14="http://schemas.microsoft.com/office/powerpoint/2010/main" val="547913921"/>
+        <p14:creationId xmlns:p14="http://schemas.microsoft.com/office/powerpoint/2010/main" val="3366118086"/>
       </p:ext>
     </p:extLst>
   </p:cSld>
@@ -1147,108 +1361,41 @@
           <a:bodyPr/>
           <a:lstStyle/>
           <a:p>
-            <a:pPr lvl="0"/>
-            <a:r>
-              <a:rPr lang="en-US" sz="1200" kern="1200">
-                <a:solidFill>
-                  <a:schemeClr val="tx1"/>
-                </a:solidFill>
-                <a:effectLst/>
-                <a:latin typeface="+mn-lt"/>
-                <a:ea typeface="+mn-ea"/>
-                <a:cs typeface="+mn-cs"/>
-              </a:rPr>
-              <a:t>Loại bỏ stop-words (Ví dụ: bỏ các từ: “the”, “a”, “about”, “all”, “didn’t”, …)</a:t>
-            </a:r>
-          </a:p>
-          <a:p>
-            <a:pPr lvl="0"/>
-            <a:r>
-              <a:rPr lang="en-US" sz="1200" kern="1200">
-                <a:solidFill>
-                  <a:schemeClr val="tx1"/>
-                </a:solidFill>
-                <a:effectLst/>
-                <a:latin typeface="+mn-lt"/>
-                <a:ea typeface="+mn-ea"/>
-                <a:cs typeface="+mn-cs"/>
-              </a:rPr>
-              <a:t>Đơn giản hóa định dạng từ về dạng kinh điển (Ví dụ: “them, their” thành “they”, “died” thành “die”, “fruits” thành “fruit”, …)</a:t>
-            </a:r>
-          </a:p>
-          <a:p>
-            <a:pPr lvl="0"/>
-            <a:r>
-              <a:rPr lang="en-US" sz="1200" kern="1200">
-                <a:solidFill>
-                  <a:schemeClr val="tx1"/>
-                </a:solidFill>
-                <a:effectLst/>
-                <a:latin typeface="+mn-lt"/>
-                <a:ea typeface="+mn-ea"/>
-                <a:cs typeface="+mn-cs"/>
-              </a:rPr>
-              <a:t>Thêm thành phần để phát hiện bắt đầu câu (Ví dụ: “I am a man” thành “&lt;P&gt; I am a man”)</a:t>
-            </a:r>
-          </a:p>
-          <a:p>
-            <a:pPr lvl="0"/>
-            <a:r>
-              <a:rPr lang="en-US" sz="1200" kern="1200">
-                <a:solidFill>
-                  <a:schemeClr val="tx1"/>
-                </a:solidFill>
-                <a:effectLst/>
-                <a:latin typeface="+mn-lt"/>
-                <a:ea typeface="+mn-ea"/>
-                <a:cs typeface="+mn-cs"/>
-              </a:rPr>
-              <a:t>Loại bỏ dấu câu (Ví dụ: xóa các dấu “.”, “,”, “!”, …)</a:t>
-            </a:r>
-          </a:p>
-          <a:p>
-            <a:pPr lvl="0"/>
-            <a:r>
-              <a:rPr lang="en-US" sz="1200" kern="1200">
-                <a:solidFill>
-                  <a:schemeClr val="tx1"/>
-                </a:solidFill>
-                <a:effectLst/>
-                <a:latin typeface="+mn-lt"/>
-                <a:ea typeface="+mn-ea"/>
-                <a:cs typeface="+mn-cs"/>
-              </a:rPr>
-              <a:t>Loại bỏ các thành phần đặc biệt (Ví dụ: loại bỏ các email như “13520564@gm.uit.edu.vn” hoặc “example@host.com”. Loại bỏ số như: loại bỏ các số điện thoại “0121 2234 1909” hoặc “1990’s” thành “ ’s ”. Loại bỏ các đường dẫn đến địa chỉ website như: “https://www.google.com”)</a:t>
-            </a:r>
-          </a:p>
-          <a:p>
-            <a:pPr lvl="0"/>
-            <a:r>
-              <a:rPr lang="en-US" sz="1200" kern="1200">
-                <a:solidFill>
-                  <a:schemeClr val="tx1"/>
-                </a:solidFill>
-                <a:effectLst/>
-                <a:latin typeface="+mn-lt"/>
-                <a:ea typeface="+mn-ea"/>
-                <a:cs typeface="+mn-cs"/>
-              </a:rPr>
-              <a:t>Thay thế từ viết tắc (Ví dụ: “wouldn’t” thành “would not”, “let’s” thành “let us”, “I’ve” thành “I have”)</a:t>
-            </a:r>
-          </a:p>
-          <a:p>
-            <a:pPr lvl="0"/>
-            <a:r>
-              <a:rPr lang="en-US" sz="1200" kern="1200">
-                <a:solidFill>
-                  <a:schemeClr val="tx1"/>
-                </a:solidFill>
-                <a:effectLst/>
-                <a:latin typeface="+mn-lt"/>
-                <a:ea typeface="+mn-ea"/>
-                <a:cs typeface="+mn-cs"/>
-              </a:rPr>
-              <a:t>…</a:t>
+            <a:r>
+              <a:rPr lang="en-US"/>
+              <a:t>Nhu cầu sử dụng tiếng Anh</a:t>
+            </a:r>
+          </a:p>
+          <a:p>
+            <a:r>
+              <a:rPr lang="en-US"/>
+              <a:t>Các đề thi tiếng Anh nổi nh</a:t>
+            </a:r>
+            <a:r>
+              <a:rPr lang="vi-VN"/>
+              <a:t>ư</a:t>
+            </a:r>
+            <a:r>
+              <a:rPr lang="en-US"/>
+              <a:t> TOEIC, TOEFL đang sử dụng trắc nghiệm điền khuyết</a:t>
+            </a:r>
+          </a:p>
+          <a:p>
+            <a:r>
+              <a:rPr lang="en-US"/>
+              <a:t>Khả năng tự học</a:t>
+            </a:r>
+          </a:p>
+          <a:p>
+            <a:r>
+              <a:rPr lang="en-US"/>
+              <a:t>Khó khăn của việc giải câu hỏi</a:t>
+            </a:r>
+          </a:p>
+          <a:p>
+            <a:r>
+              <a:rPr lang="en-US"/>
+              <a:t>Hệ thống giải đáp các câu trắc nghiệm</a:t>
             </a:r>
           </a:p>
         </p:txBody>
@@ -1279,7 +1426,7 @@
     </p:spTree>
     <p:extLst>
       <p:ext uri="{BB962C8B-B14F-4D97-AF65-F5344CB8AC3E}">
-        <p14:creationId xmlns:p14="http://schemas.microsoft.com/office/powerpoint/2010/main" val="3366118086"/>
+        <p14:creationId xmlns:p14="http://schemas.microsoft.com/office/powerpoint/2010/main" val="1097338792"/>
       </p:ext>
     </p:extLst>
   </p:cSld>
@@ -1398,7 +1545,7 @@
     </p:spTree>
     <p:extLst>
       <p:ext uri="{BB962C8B-B14F-4D97-AF65-F5344CB8AC3E}">
-        <p14:creationId xmlns:p14="http://schemas.microsoft.com/office/powerpoint/2010/main" val="1097338792"/>
+        <p14:creationId xmlns:p14="http://schemas.microsoft.com/office/powerpoint/2010/main" val="2791613001"/>
       </p:ext>
     </p:extLst>
   </p:cSld>
@@ -1517,7 +1664,7 @@
     </p:spTree>
     <p:extLst>
       <p:ext uri="{BB962C8B-B14F-4D97-AF65-F5344CB8AC3E}">
-        <p14:creationId xmlns:p14="http://schemas.microsoft.com/office/powerpoint/2010/main" val="2791613001"/>
+        <p14:creationId xmlns:p14="http://schemas.microsoft.com/office/powerpoint/2010/main" val="3802810527"/>
       </p:ext>
     </p:extLst>
   </p:cSld>
@@ -1573,13 +1720,7 @@
           <a:p>
             <a:r>
               <a:rPr lang="en-US"/>
-              <a:t>Nhu cầu sử dụng tiếng Anh</a:t>
-            </a:r>
-          </a:p>
-          <a:p>
-            <a:r>
-              <a:rPr lang="en-US"/>
-              <a:t>Các đề thi tiếng Anh nổi nh</a:t>
+              <a:t>Trong quá trình tìm hiểu, có tìm đ</a:t>
             </a:r>
             <a:r>
               <a:rPr lang="vi-VN"/>
@@ -1587,25 +1728,7 @@
             </a:r>
             <a:r>
               <a:rPr lang="en-US"/>
-              <a:t> TOEIC, TOEFL đang sử dụng trắc nghiệm điền khuyết</a:t>
-            </a:r>
-          </a:p>
-          <a:p>
-            <a:r>
-              <a:rPr lang="en-US"/>
-              <a:t>Khả năng tự học</a:t>
-            </a:r>
-          </a:p>
-          <a:p>
-            <a:r>
-              <a:rPr lang="en-US"/>
-              <a:t>Khó khăn của việc giải câu hỏi</a:t>
-            </a:r>
-          </a:p>
-          <a:p>
-            <a:r>
-              <a:rPr lang="en-US"/>
-              <a:t>Hệ thống giải đáp các câu trắc nghiệm</a:t>
+              <a:t>ợc một số báo cáo khoa học sử dụng Azure thực hiện</a:t>
             </a:r>
           </a:p>
         </p:txBody>
@@ -1636,7 +1759,7 @@
     </p:spTree>
     <p:extLst>
       <p:ext uri="{BB962C8B-B14F-4D97-AF65-F5344CB8AC3E}">
-        <p14:creationId xmlns:p14="http://schemas.microsoft.com/office/powerpoint/2010/main" val="3802810527"/>
+        <p14:creationId xmlns:p14="http://schemas.microsoft.com/office/powerpoint/2010/main" val="2243909845"/>
       </p:ext>
     </p:extLst>
   </p:cSld>
@@ -1692,15 +1815,7 @@
           <a:p>
             <a:r>
               <a:rPr lang="en-US"/>
-              <a:t>Trong quá trình tìm hiểu, có tìm đ</a:t>
-            </a:r>
-            <a:r>
-              <a:rPr lang="vi-VN"/>
-              <a:t>ư</a:t>
-            </a:r>
-            <a:r>
-              <a:rPr lang="en-US"/>
-              <a:t>ợc một số báo cáo khoa học sử dụng Azure thực hiện</a:t>
+              <a:t>Server miễn phí bị giới hạn</a:t>
             </a:r>
           </a:p>
         </p:txBody>
@@ -1731,7 +1846,7 @@
     </p:spTree>
     <p:extLst>
       <p:ext uri="{BB962C8B-B14F-4D97-AF65-F5344CB8AC3E}">
-        <p14:creationId xmlns:p14="http://schemas.microsoft.com/office/powerpoint/2010/main" val="2243909845"/>
+        <p14:creationId xmlns:p14="http://schemas.microsoft.com/office/powerpoint/2010/main" val="1558441620"/>
       </p:ext>
     </p:extLst>
   </p:cSld>
@@ -1787,7 +1902,7 @@
           <a:p>
             <a:r>
               <a:rPr lang="en-US"/>
-              <a:t>Server miễn phí bị giới hạn</a:t>
+              <a:t>Facebook, kênh thông tin mạng xã hội</a:t>
             </a:r>
           </a:p>
         </p:txBody>
@@ -1818,7 +1933,7 @@
     </p:spTree>
     <p:extLst>
       <p:ext uri="{BB962C8B-B14F-4D97-AF65-F5344CB8AC3E}">
-        <p14:creationId xmlns:p14="http://schemas.microsoft.com/office/powerpoint/2010/main" val="1558441620"/>
+        <p14:creationId xmlns:p14="http://schemas.microsoft.com/office/powerpoint/2010/main" val="4133644468"/>
       </p:ext>
     </p:extLst>
   </p:cSld>
@@ -1905,7 +2020,7 @@
     </p:spTree>
     <p:extLst>
       <p:ext uri="{BB962C8B-B14F-4D97-AF65-F5344CB8AC3E}">
-        <p14:creationId xmlns:p14="http://schemas.microsoft.com/office/powerpoint/2010/main" val="4133644468"/>
+        <p14:creationId xmlns:p14="http://schemas.microsoft.com/office/powerpoint/2010/main" val="3353452138"/>
       </p:ext>
     </p:extLst>
   </p:cSld>
@@ -1960,40 +2075,149 @@
           <a:lstStyle/>
           <a:p>
             <a:r>
-              <a:rPr lang="en-US"/>
-              <a:t>Nhu cầu sử dụng tiếng Anh</a:t>
-            </a:r>
-          </a:p>
-          <a:p>
-            <a:r>
-              <a:rPr lang="en-US"/>
-              <a:t>Các đề thi tiếng Anh nổi nh</a:t>
-            </a:r>
-            <a:r>
-              <a:rPr lang="vi-VN"/>
-              <a:t>ư</a:t>
-            </a:r>
-            <a:r>
-              <a:rPr lang="en-US"/>
-              <a:t> TOEIC, TOEFL đang sử dụng trắc nghiệm điền khuyết</a:t>
-            </a:r>
-          </a:p>
-          <a:p>
-            <a:r>
-              <a:rPr lang="en-US"/>
-              <a:t>Khả năng tự học</a:t>
-            </a:r>
-          </a:p>
-          <a:p>
-            <a:r>
-              <a:rPr lang="en-US"/>
-              <a:t>Khó khăn của việc giải câu hỏi</a:t>
-            </a:r>
-          </a:p>
-          <a:p>
-            <a:r>
-              <a:rPr lang="en-US"/>
-              <a:t>Hệ thống giải đáp các câu trắc nghiệm</a:t>
+              <a:rPr lang="en-US" sz="1200" kern="1200">
+                <a:solidFill>
+                  <a:schemeClr val="tx1"/>
+                </a:solidFill>
+                <a:effectLst/>
+                <a:latin typeface="+mn-lt"/>
+                <a:ea typeface="+mn-ea"/>
+                <a:cs typeface="+mn-cs"/>
+              </a:rPr>
+              <a:t>(tr14)</a:t>
+            </a:r>
+          </a:p>
+          <a:p>
+            <a:r>
+              <a:rPr lang="en-US" sz="1200" kern="1200">
+                <a:solidFill>
+                  <a:schemeClr val="tx1"/>
+                </a:solidFill>
+                <a:effectLst/>
+                <a:latin typeface="+mn-lt"/>
+                <a:ea typeface="+mn-ea"/>
+                <a:cs typeface="+mn-cs"/>
+              </a:rPr>
+              <a:t>Bài tập trắc nghiệm tiếng Anh có nhiều dạng</a:t>
+            </a:r>
+          </a:p>
+          <a:p>
+            <a:pPr lvl="0"/>
+            <a:r>
+              <a:rPr lang="en-US" sz="1200" kern="1200">
+                <a:solidFill>
+                  <a:schemeClr val="tx1"/>
+                </a:solidFill>
+                <a:effectLst/>
+                <a:latin typeface="+mn-lt"/>
+                <a:ea typeface="+mn-ea"/>
+                <a:cs typeface="+mn-cs"/>
+              </a:rPr>
+              <a:t>Bài tập điền khuyết</a:t>
+            </a:r>
+          </a:p>
+          <a:p>
+            <a:pPr lvl="0"/>
+            <a:r>
+              <a:rPr lang="en-US" sz="1200" kern="1200">
+                <a:solidFill>
+                  <a:schemeClr val="tx1"/>
+                </a:solidFill>
+                <a:effectLst/>
+                <a:latin typeface="+mn-lt"/>
+                <a:ea typeface="+mn-ea"/>
+                <a:cs typeface="+mn-cs"/>
+              </a:rPr>
+              <a:t>Tìm lỗi sai trong câu</a:t>
+            </a:r>
+          </a:p>
+          <a:p>
+            <a:pPr lvl="0"/>
+            <a:r>
+              <a:rPr lang="en-US" sz="1200" kern="1200">
+                <a:solidFill>
+                  <a:schemeClr val="tx1"/>
+                </a:solidFill>
+                <a:effectLst/>
+                <a:latin typeface="+mn-lt"/>
+                <a:ea typeface="+mn-ea"/>
+                <a:cs typeface="+mn-cs"/>
+              </a:rPr>
+              <a:t>Đọc hiểu văn bản chọn câu đúng nhất</a:t>
+            </a:r>
+          </a:p>
+          <a:p>
+            <a:pPr lvl="0"/>
+            <a:r>
+              <a:rPr lang="en-US" sz="1200" kern="1200">
+                <a:solidFill>
+                  <a:schemeClr val="tx1"/>
+                </a:solidFill>
+                <a:effectLst/>
+                <a:latin typeface="+mn-lt"/>
+                <a:ea typeface="+mn-ea"/>
+                <a:cs typeface="+mn-cs"/>
+              </a:rPr>
+              <a:t>Chọn từ thích hợp cho đoạn văn</a:t>
+            </a:r>
+          </a:p>
+          <a:p>
+            <a:pPr lvl="0"/>
+            <a:r>
+              <a:rPr lang="en-US" sz="1200" kern="1200">
+                <a:solidFill>
+                  <a:schemeClr val="tx1"/>
+                </a:solidFill>
+                <a:effectLst/>
+                <a:latin typeface="+mn-lt"/>
+                <a:ea typeface="+mn-ea"/>
+                <a:cs typeface="+mn-cs"/>
+              </a:rPr>
+              <a:t>Chọn từ có trọng âm khác với từ còn lại</a:t>
+            </a:r>
+          </a:p>
+          <a:p>
+            <a:pPr lvl="0"/>
+            <a:r>
+              <a:rPr lang="en-US" sz="1200" kern="1200">
+                <a:solidFill>
+                  <a:schemeClr val="tx1"/>
+                </a:solidFill>
+                <a:effectLst/>
+                <a:latin typeface="+mn-lt"/>
+                <a:ea typeface="+mn-ea"/>
+                <a:cs typeface="+mn-cs"/>
+              </a:rPr>
+              <a:t>Chọn từ đồng nghĩa</a:t>
+            </a:r>
+          </a:p>
+          <a:p>
+            <a:pPr lvl="0"/>
+            <a:r>
+              <a:rPr lang="en-US" sz="1200" kern="1200">
+                <a:solidFill>
+                  <a:schemeClr val="tx1"/>
+                </a:solidFill>
+                <a:effectLst/>
+                <a:latin typeface="+mn-lt"/>
+                <a:ea typeface="+mn-ea"/>
+                <a:cs typeface="+mn-cs"/>
+              </a:rPr>
+              <a:t>…</a:t>
+            </a:r>
+          </a:p>
+          <a:p>
+            <a:r>
+              <a:rPr lang="en-US" sz="1200" kern="1200">
+                <a:solidFill>
+                  <a:schemeClr val="tx1"/>
+                </a:solidFill>
+                <a:effectLst/>
+                <a:latin typeface="+mn-lt"/>
+                <a:ea typeface="+mn-ea"/>
+                <a:cs typeface="+mn-cs"/>
+              </a:rPr>
+              <a:t>Sẽ cho trước từ 3 đến 5 câu trả lời gợi ý</a:t>
             </a:r>
           </a:p>
         </p:txBody>
@@ -2024,7 +2248,7 @@
     </p:spTree>
     <p:extLst>
       <p:ext uri="{BB962C8B-B14F-4D97-AF65-F5344CB8AC3E}">
-        <p14:creationId xmlns:p14="http://schemas.microsoft.com/office/powerpoint/2010/main" val="865497850"/>
+        <p14:creationId xmlns:p14="http://schemas.microsoft.com/office/powerpoint/2010/main" val="1582459667"/>
       </p:ext>
     </p:extLst>
   </p:cSld>
@@ -2111,7 +2335,7 @@
     </p:spTree>
     <p:extLst>
       <p:ext uri="{BB962C8B-B14F-4D97-AF65-F5344CB8AC3E}">
-        <p14:creationId xmlns:p14="http://schemas.microsoft.com/office/powerpoint/2010/main" val="3353452138"/>
+        <p14:creationId xmlns:p14="http://schemas.microsoft.com/office/powerpoint/2010/main" val="3486277998"/>
       </p:ext>
     </p:extLst>
   </p:cSld>
@@ -2167,7 +2391,39 @@
           <a:p>
             <a:r>
               <a:rPr lang="en-US"/>
-              <a:t>Server miễn phí bị giới hạn</a:t>
+              <a:t>Nhu cầu sử dụng tiếng Anh</a:t>
+            </a:r>
+          </a:p>
+          <a:p>
+            <a:r>
+              <a:rPr lang="en-US"/>
+              <a:t>Các đề thi tiếng Anh nổi nh</a:t>
+            </a:r>
+            <a:r>
+              <a:rPr lang="vi-VN"/>
+              <a:t>ư</a:t>
+            </a:r>
+            <a:r>
+              <a:rPr lang="en-US"/>
+              <a:t> TOEIC, TOEFL đang sử dụng trắc nghiệm điền khuyết</a:t>
+            </a:r>
+          </a:p>
+          <a:p>
+            <a:r>
+              <a:rPr lang="en-US"/>
+              <a:t>Khả năng tự học</a:t>
+            </a:r>
+          </a:p>
+          <a:p>
+            <a:r>
+              <a:rPr lang="en-US"/>
+              <a:t>Khó khăn của việc giải câu hỏi</a:t>
+            </a:r>
+          </a:p>
+          <a:p>
+            <a:r>
+              <a:rPr lang="en-US"/>
+              <a:t>Hệ thống giải đáp các câu trắc nghiệm</a:t>
             </a:r>
           </a:p>
         </p:txBody>
@@ -2198,7 +2454,7 @@
     </p:spTree>
     <p:extLst>
       <p:ext uri="{BB962C8B-B14F-4D97-AF65-F5344CB8AC3E}">
-        <p14:creationId xmlns:p14="http://schemas.microsoft.com/office/powerpoint/2010/main" val="3486277998"/>
+        <p14:creationId xmlns:p14="http://schemas.microsoft.com/office/powerpoint/2010/main" val="2628129112"/>
       </p:ext>
     </p:extLst>
   </p:cSld>
@@ -2317,7 +2573,7 @@
     </p:spTree>
     <p:extLst>
       <p:ext uri="{BB962C8B-B14F-4D97-AF65-F5344CB8AC3E}">
-        <p14:creationId xmlns:p14="http://schemas.microsoft.com/office/powerpoint/2010/main" val="2628129112"/>
+        <p14:creationId xmlns:p14="http://schemas.microsoft.com/office/powerpoint/2010/main" val="1060609187"/>
       </p:ext>
     </p:extLst>
   </p:cSld>
@@ -2436,7 +2692,7 @@
     </p:spTree>
     <p:extLst>
       <p:ext uri="{BB962C8B-B14F-4D97-AF65-F5344CB8AC3E}">
-        <p14:creationId xmlns:p14="http://schemas.microsoft.com/office/powerpoint/2010/main" val="1060609187"/>
+        <p14:creationId xmlns:p14="http://schemas.microsoft.com/office/powerpoint/2010/main" val="44205423"/>
       </p:ext>
     </p:extLst>
   </p:cSld>
@@ -2555,7 +2811,7 @@
     </p:spTree>
     <p:extLst>
       <p:ext uri="{BB962C8B-B14F-4D97-AF65-F5344CB8AC3E}">
-        <p14:creationId xmlns:p14="http://schemas.microsoft.com/office/powerpoint/2010/main" val="44205423"/>
+        <p14:creationId xmlns:p14="http://schemas.microsoft.com/office/powerpoint/2010/main" val="4044265705"/>
       </p:ext>
     </p:extLst>
   </p:cSld>
@@ -2674,7 +2930,7 @@
     </p:spTree>
     <p:extLst>
       <p:ext uri="{BB962C8B-B14F-4D97-AF65-F5344CB8AC3E}">
-        <p14:creationId xmlns:p14="http://schemas.microsoft.com/office/powerpoint/2010/main" val="4044265705"/>
+        <p14:creationId xmlns:p14="http://schemas.microsoft.com/office/powerpoint/2010/main" val="3648290586"/>
       </p:ext>
     </p:extLst>
   </p:cSld>
@@ -2793,7 +3049,7 @@
     </p:spTree>
     <p:extLst>
       <p:ext uri="{BB962C8B-B14F-4D97-AF65-F5344CB8AC3E}">
-        <p14:creationId xmlns:p14="http://schemas.microsoft.com/office/powerpoint/2010/main" val="3648290586"/>
+        <p14:creationId xmlns:p14="http://schemas.microsoft.com/office/powerpoint/2010/main" val="1487579666"/>
       </p:ext>
     </p:extLst>
   </p:cSld>
@@ -3206,33 +3462,19 @@
           <a:p>
             <a:r>
               <a:rPr lang="en-US"/>
-              <a:t>Nhu cầu sử dụng tiếng Anh</a:t>
-            </a:r>
-          </a:p>
-          <a:p>
-            <a:r>
-              <a:rPr lang="en-US"/>
-              <a:t>Các đề thi tiếng Anh nổi nh</a:t>
-            </a:r>
-            <a:r>
-              <a:rPr lang="vi-VN"/>
-              <a:t>ư</a:t>
-            </a:r>
-            <a:r>
-              <a:rPr lang="en-US"/>
-              <a:t> TOEIC, TOEFL</a:t>
-            </a:r>
-          </a:p>
-          <a:p>
-            <a:r>
-              <a:rPr lang="en-US"/>
-              <a:t>Khả năng tự học</a:t>
-            </a:r>
-          </a:p>
-          <a:p>
-            <a:r>
-              <a:rPr lang="en-US"/>
-              <a:t>Hệ thống giải đáp các câu trắc nghiệm</a:t>
+              <a:t>(tr15)</a:t>
+            </a:r>
+          </a:p>
+          <a:p>
+            <a:r>
+              <a:rPr lang="en-US"/>
+              <a:t>Ít các báo cáo, nghiên cứu về vấn đề này</a:t>
+            </a:r>
+          </a:p>
+          <a:p>
+            <a:r>
+              <a:rPr lang="en-US"/>
+              <a:t>5-6 báo cáo</a:t>
             </a:r>
           </a:p>
         </p:txBody>
@@ -3263,7 +3505,126 @@
     </p:spTree>
     <p:extLst>
       <p:ext uri="{BB962C8B-B14F-4D97-AF65-F5344CB8AC3E}">
-        <p14:creationId xmlns:p14="http://schemas.microsoft.com/office/powerpoint/2010/main" val="1582459667"/>
+        <p14:creationId xmlns:p14="http://schemas.microsoft.com/office/powerpoint/2010/main" val="3229827239"/>
+      </p:ext>
+    </p:extLst>
+  </p:cSld>
+  <p:clrMapOvr>
+    <a:masterClrMapping/>
+  </p:clrMapOvr>
+</p:notes>
+</file>
+
+<file path=ppt/notesSlides/notesSlide30.xml><?xml version="1.0" encoding="utf-8"?>
+<p:notes xmlns:a="http://schemas.openxmlformats.org/drawingml/2006/main" xmlns:r="http://schemas.openxmlformats.org/officeDocument/2006/relationships" xmlns:p="http://schemas.openxmlformats.org/presentationml/2006/main">
+  <p:cSld>
+    <p:spTree>
+      <p:nvGrpSpPr>
+        <p:cNvPr id="1" name=""/>
+        <p:cNvGrpSpPr/>
+        <p:nvPr/>
+      </p:nvGrpSpPr>
+      <p:grpSpPr>
+        <a:xfrm>
+          <a:off x="0" y="0"/>
+          <a:ext cx="0" cy="0"/>
+          <a:chOff x="0" y="0"/>
+          <a:chExt cx="0" cy="0"/>
+        </a:xfrm>
+      </p:grpSpPr>
+      <p:sp>
+        <p:nvSpPr>
+          <p:cNvPr id="2" name="Slide Image Placeholder 1"/>
+          <p:cNvSpPr>
+            <a:spLocks noGrp="1" noRot="1" noChangeAspect="1"/>
+          </p:cNvSpPr>
+          <p:nvPr>
+            <p:ph type="sldImg"/>
+          </p:nvPr>
+        </p:nvSpPr>
+        <p:spPr/>
+      </p:sp>
+      <p:sp>
+        <p:nvSpPr>
+          <p:cNvPr id="3" name="Notes Placeholder 2"/>
+          <p:cNvSpPr>
+            <a:spLocks noGrp="1"/>
+          </p:cNvSpPr>
+          <p:nvPr>
+            <p:ph type="body" idx="1"/>
+          </p:nvPr>
+        </p:nvSpPr>
+        <p:spPr/>
+        <p:txBody>
+          <a:bodyPr/>
+          <a:lstStyle/>
+          <a:p>
+            <a:r>
+              <a:rPr lang="en-US"/>
+              <a:t>Nhu cầu sử dụng tiếng Anh</a:t>
+            </a:r>
+          </a:p>
+          <a:p>
+            <a:r>
+              <a:rPr lang="en-US"/>
+              <a:t>Các đề thi tiếng Anh nổi nh</a:t>
+            </a:r>
+            <a:r>
+              <a:rPr lang="vi-VN"/>
+              <a:t>ư</a:t>
+            </a:r>
+            <a:r>
+              <a:rPr lang="en-US"/>
+              <a:t> TOEIC, TOEFL đang sử dụng trắc nghiệm điền khuyết</a:t>
+            </a:r>
+          </a:p>
+          <a:p>
+            <a:r>
+              <a:rPr lang="en-US"/>
+              <a:t>Khả năng tự học</a:t>
+            </a:r>
+          </a:p>
+          <a:p>
+            <a:r>
+              <a:rPr lang="en-US"/>
+              <a:t>Khó khăn của việc giải câu hỏi</a:t>
+            </a:r>
+          </a:p>
+          <a:p>
+            <a:r>
+              <a:rPr lang="en-US"/>
+              <a:t>Hệ thống giải đáp các câu trắc nghiệm</a:t>
+            </a:r>
+          </a:p>
+        </p:txBody>
+      </p:sp>
+      <p:sp>
+        <p:nvSpPr>
+          <p:cNvPr id="4" name="Slide Number Placeholder 3"/>
+          <p:cNvSpPr>
+            <a:spLocks noGrp="1"/>
+          </p:cNvSpPr>
+          <p:nvPr>
+            <p:ph type="sldNum" sz="quarter" idx="10"/>
+          </p:nvPr>
+        </p:nvSpPr>
+        <p:spPr/>
+        <p:txBody>
+          <a:bodyPr/>
+          <a:lstStyle/>
+          <a:p>
+            <a:fld id="{81604574-5231-499F-B0F0-167D687637BA}" type="slidenum">
+              <a:rPr lang="en-US" smtClean="0"/>
+              <a:t>31</a:t>
+            </a:fld>
+            <a:endParaRPr lang="en-US"/>
+          </a:p>
+        </p:txBody>
+      </p:sp>
+    </p:spTree>
+    <p:extLst>
+      <p:ext uri="{BB962C8B-B14F-4D97-AF65-F5344CB8AC3E}">
+        <p14:creationId xmlns:p14="http://schemas.microsoft.com/office/powerpoint/2010/main" val="865497850"/>
       </p:ext>
     </p:extLst>
   </p:cSld>
@@ -3319,33 +3680,19 @@
           <a:p>
             <a:r>
               <a:rPr lang="en-US"/>
-              <a:t>Nhu cầu sử dụng tiếng Anh</a:t>
-            </a:r>
-          </a:p>
-          <a:p>
-            <a:r>
-              <a:rPr lang="en-US"/>
-              <a:t>Các đề thi tiếng Anh nổi nh</a:t>
-            </a:r>
-            <a:r>
-              <a:rPr lang="vi-VN"/>
-              <a:t>ư</a:t>
-            </a:r>
-            <a:r>
-              <a:rPr lang="en-US"/>
-              <a:t> TOEIC, TOEFL</a:t>
-            </a:r>
-          </a:p>
-          <a:p>
-            <a:r>
-              <a:rPr lang="en-US"/>
-              <a:t>Khả năng tự học</a:t>
-            </a:r>
-          </a:p>
-          <a:p>
-            <a:r>
-              <a:rPr lang="en-US"/>
-              <a:t>Hệ thống giải đáp các câu trắc nghiệm</a:t>
+              <a:t>Tiếp cận ngữ pháp: đề tài anh Khải</a:t>
+            </a:r>
+          </a:p>
+          <a:p>
+            <a:r>
+              <a:rPr lang="en-US"/>
+              <a:t>Mô hình N-gram: solving English …,  đề thi TOEIC, SAT</a:t>
+            </a:r>
+          </a:p>
+          <a:p>
+            <a:r>
+              <a:rPr lang="en-US"/>
+              <a:t>Mô hình word vector cho % cao nhất</a:t>
             </a:r>
           </a:p>
         </p:txBody>
@@ -3376,7 +3723,7 @@
     </p:spTree>
     <p:extLst>
       <p:ext uri="{BB962C8B-B14F-4D97-AF65-F5344CB8AC3E}">
-        <p14:creationId xmlns:p14="http://schemas.microsoft.com/office/powerpoint/2010/main" val="3229827239"/>
+        <p14:creationId xmlns:p14="http://schemas.microsoft.com/office/powerpoint/2010/main" val="836359600"/>
       </p:ext>
     </p:extLst>
   </p:cSld>
@@ -3432,13 +3779,7 @@
           <a:p>
             <a:r>
               <a:rPr lang="en-US"/>
-              <a:t>Nhu cầu sử dụng tiếng Anh</a:t>
-            </a:r>
-          </a:p>
-          <a:p>
-            <a:r>
-              <a:rPr lang="en-US"/>
-              <a:t>Các đề thi tiếng Anh nổi nh</a:t>
+              <a:t>PMI cao nhất nh</a:t>
             </a:r>
             <a:r>
               <a:rPr lang="vi-VN"/>
@@ -3446,19 +3787,7 @@
             </a:r>
             <a:r>
               <a:rPr lang="en-US"/>
-              <a:t> TOEIC, TOEFL</a:t>
-            </a:r>
-          </a:p>
-          <a:p>
-            <a:r>
-              <a:rPr lang="en-US"/>
-              <a:t>Khả năng tự học</a:t>
-            </a:r>
-          </a:p>
-          <a:p>
-            <a:r>
-              <a:rPr lang="en-US"/>
-              <a:t>Hệ thống giải đáp các câu trắc nghiệm</a:t>
+              <a:t>ng đề thi MSR chỉ là sentence completeness</a:t>
             </a:r>
           </a:p>
         </p:txBody>
@@ -3489,7 +3818,7 @@
     </p:spTree>
     <p:extLst>
       <p:ext uri="{BB962C8B-B14F-4D97-AF65-F5344CB8AC3E}">
-        <p14:creationId xmlns:p14="http://schemas.microsoft.com/office/powerpoint/2010/main" val="836359600"/>
+        <p14:creationId xmlns:p14="http://schemas.microsoft.com/office/powerpoint/2010/main" val="2801159646"/>
       </p:ext>
     </p:extLst>
   </p:cSld>
@@ -3545,13 +3874,7 @@
           <a:p>
             <a:r>
               <a:rPr lang="en-US"/>
-              <a:t>Nhu cầu sử dụng tiếng Anh</a:t>
-            </a:r>
-          </a:p>
-          <a:p>
-            <a:r>
-              <a:rPr lang="en-US"/>
-              <a:t>Các đề thi tiếng Anh nổi nh</a:t>
+              <a:t>Bảng thể hiện độ chính xác trong tr</a:t>
             </a:r>
             <a:r>
               <a:rPr lang="vi-VN"/>
@@ -3559,19 +3882,7 @@
             </a:r>
             <a:r>
               <a:rPr lang="en-US"/>
-              <a:t> TOEIC, TOEFL</a:t>
-            </a:r>
-          </a:p>
-          <a:p>
-            <a:r>
-              <a:rPr lang="en-US"/>
-              <a:t>Khả năng tự học</a:t>
-            </a:r>
-          </a:p>
-          <a:p>
-            <a:r>
-              <a:rPr lang="en-US"/>
-              <a:t>Hệ thống giải đáp các câu trắc nghiệm</a:t>
+              <a:t>ờng hợp có thể bao phủ cả câu</a:t>
             </a:r>
           </a:p>
         </p:txBody>
@@ -3602,7 +3913,7 @@
     </p:spTree>
     <p:extLst>
       <p:ext uri="{BB962C8B-B14F-4D97-AF65-F5344CB8AC3E}">
-        <p14:creationId xmlns:p14="http://schemas.microsoft.com/office/powerpoint/2010/main" val="2801159646"/>
+        <p14:creationId xmlns:p14="http://schemas.microsoft.com/office/powerpoint/2010/main" val="867902242"/>
       </p:ext>
     </p:extLst>
   </p:cSld>
@@ -3658,13 +3969,7 @@
           <a:p>
             <a:r>
               <a:rPr lang="en-US"/>
-              <a:t>Nhu cầu sử dụng tiếng Anh</a:t>
-            </a:r>
-          </a:p>
-          <a:p>
-            <a:r>
-              <a:rPr lang="en-US"/>
-              <a:t>Các đề thi tiếng Anh nổi nh</a:t>
+              <a:t>Thể hiện sử dụng n-gram đ</a:t>
             </a:r>
             <a:r>
               <a:rPr lang="vi-VN"/>
@@ -3672,19 +3977,7 @@
             </a:r>
             <a:r>
               <a:rPr lang="en-US"/>
-              <a:t> TOEIC, TOEFL</a:t>
-            </a:r>
-          </a:p>
-          <a:p>
-            <a:r>
-              <a:rPr lang="en-US"/>
-              <a:t>Khả năng tự học</a:t>
-            </a:r>
-          </a:p>
-          <a:p>
-            <a:r>
-              <a:rPr lang="en-US"/>
-              <a:t>Hệ thống giải đáp các câu trắc nghiệm</a:t>
+              <a:t>a về % chính xác cao nhất</a:t>
             </a:r>
           </a:p>
         </p:txBody>
@@ -3715,7 +4008,7 @@
     </p:spTree>
     <p:extLst>
       <p:ext uri="{BB962C8B-B14F-4D97-AF65-F5344CB8AC3E}">
-        <p14:creationId xmlns:p14="http://schemas.microsoft.com/office/powerpoint/2010/main" val="867902242"/>
+        <p14:creationId xmlns:p14="http://schemas.microsoft.com/office/powerpoint/2010/main" val="1531757803"/>
       </p:ext>
     </p:extLst>
   </p:cSld>
@@ -3771,33 +4064,7 @@
           <a:p>
             <a:r>
               <a:rPr lang="en-US"/>
-              <a:t>Nhu cầu sử dụng tiếng Anh</a:t>
-            </a:r>
-          </a:p>
-          <a:p>
-            <a:r>
-              <a:rPr lang="en-US"/>
-              <a:t>Các đề thi tiếng Anh nổi nh</a:t>
-            </a:r>
-            <a:r>
-              <a:rPr lang="vi-VN"/>
-              <a:t>ư</a:t>
-            </a:r>
-            <a:r>
-              <a:rPr lang="en-US"/>
-              <a:t> TOEIC, TOEFL</a:t>
-            </a:r>
-          </a:p>
-          <a:p>
-            <a:r>
-              <a:rPr lang="en-US"/>
-              <a:t>Khả năng tự học</a:t>
-            </a:r>
-          </a:p>
-          <a:p>
-            <a:r>
-              <a:rPr lang="en-US"/>
-              <a:t>Hệ thống giải đáp các câu trắc nghiệm</a:t>
+              <a:t>2 vấn đề Ngữ liệu và thuật giải</a:t>
             </a:r>
           </a:p>
         </p:txBody>
@@ -3828,7 +4095,7 @@
     </p:spTree>
     <p:extLst>
       <p:ext uri="{BB962C8B-B14F-4D97-AF65-F5344CB8AC3E}">
-        <p14:creationId xmlns:p14="http://schemas.microsoft.com/office/powerpoint/2010/main" val="1531757803"/>
+        <p14:creationId xmlns:p14="http://schemas.microsoft.com/office/powerpoint/2010/main" val="2001351425"/>
       </p:ext>
     </p:extLst>
   </p:cSld>
@@ -3883,35 +4150,46 @@
           <a:lstStyle/>
           <a:p>
             <a:r>
-              <a:rPr lang="en-US"/>
-              <a:t>Nhu cầu sử dụng tiếng Anh</a:t>
-            </a:r>
-          </a:p>
-          <a:p>
-            <a:r>
-              <a:rPr lang="en-US"/>
-              <a:t>Các đề thi tiếng Anh nổi nh</a:t>
-            </a:r>
-            <a:r>
-              <a:rPr lang="vi-VN"/>
-              <a:t>ư</a:t>
-            </a:r>
-            <a:r>
-              <a:rPr lang="en-US"/>
-              <a:t> TOEIC, TOEFL</a:t>
-            </a:r>
-          </a:p>
-          <a:p>
-            <a:r>
-              <a:rPr lang="en-US"/>
-              <a:t>Khả năng tự học</a:t>
-            </a:r>
-          </a:p>
-          <a:p>
-            <a:r>
-              <a:rPr lang="en-US"/>
-              <a:t>Hệ thống giải đáp các câu trắc nghiệm</a:t>
-            </a:r>
+              <a:rPr lang="en-US" sz="1200" kern="1200">
+                <a:solidFill>
+                  <a:schemeClr val="tx1"/>
+                </a:solidFill>
+                <a:effectLst/>
+                <a:latin typeface="+mn-lt"/>
+                <a:ea typeface="+mn-ea"/>
+                <a:cs typeface="+mn-cs"/>
+              </a:rPr>
+              <a:t>Bộ ngữ liệu đơn giản là một tệp tin với các mẫu tin tức khác nhau</a:t>
+            </a:r>
+          </a:p>
+          <a:p>
+            <a:r>
+              <a:rPr lang="en-US" sz="1200" kern="1200">
+                <a:solidFill>
+                  <a:schemeClr val="tx1"/>
+                </a:solidFill>
+                <a:effectLst/>
+                <a:latin typeface="+mn-lt"/>
+                <a:ea typeface="+mn-ea"/>
+                <a:cs typeface="+mn-cs"/>
+              </a:rPr>
+              <a:t>2007 (dung lượng 462MB – 3, 782, 549 dòng) </a:t>
+            </a:r>
+          </a:p>
+          <a:p>
+            <a:r>
+              <a:rPr lang="en-US" sz="1200" kern="1200">
+                <a:solidFill>
+                  <a:schemeClr val="tx1"/>
+                </a:solidFill>
+                <a:effectLst/>
+                <a:latin typeface="+mn-lt"/>
+                <a:ea typeface="+mn-ea"/>
+                <a:cs typeface="+mn-cs"/>
+              </a:rPr>
+              <a:t>2014 (4,1 GB) </a:t>
+            </a:r>
+            <a:endParaRPr lang="en-US"/>
           </a:p>
         </p:txBody>
       </p:sp>
@@ -3941,7 +4219,7 @@
     </p:spTree>
     <p:extLst>
       <p:ext uri="{BB962C8B-B14F-4D97-AF65-F5344CB8AC3E}">
-        <p14:creationId xmlns:p14="http://schemas.microsoft.com/office/powerpoint/2010/main" val="2001351425"/>
+        <p14:creationId xmlns:p14="http://schemas.microsoft.com/office/powerpoint/2010/main" val="2469572542"/>
       </p:ext>
     </p:extLst>
   </p:cSld>
@@ -7037,8 +7315,8 @@
         </p:nvSpPr>
         <p:spPr>
           <a:xfrm>
-            <a:off x="207819" y="5004262"/>
-            <a:ext cx="3890356" cy="1790008"/>
+            <a:off x="207818" y="5015985"/>
+            <a:ext cx="4622089" cy="1790008"/>
           </a:xfrm>
           <a:prstGeom prst="rect">
             <a:avLst/>
@@ -7144,32 +7422,11 @@
               </a:lnSpc>
             </a:pPr>
             <a:r>
-              <a:rPr lang="en-US" sz="2000" err="1">
-                <a:latin typeface="Cambria (Headings)"/>
-                <a:cs typeface="Times New Roman" panose="02020603050405020304" pitchFamily="18" charset="0"/>
-              </a:rPr>
-              <a:t>Thạc</a:t>
-            </a:r>
-            <a:r>
               <a:rPr lang="en-US" sz="2000">
                 <a:latin typeface="Cambria (Headings)"/>
                 <a:cs typeface="Times New Roman" panose="02020603050405020304" pitchFamily="18" charset="0"/>
               </a:rPr>
-              <a:t> </a:t>
-            </a:r>
-            <a:r>
-              <a:rPr lang="en-US" sz="2000" err="1">
-                <a:latin typeface="Cambria (Headings)"/>
-                <a:cs typeface="Times New Roman" panose="02020603050405020304" pitchFamily="18" charset="0"/>
-              </a:rPr>
-              <a:t>sĩ</a:t>
-            </a:r>
-            <a:r>
-              <a:rPr lang="en-US" sz="2000">
-                <a:latin typeface="Cambria (Headings)"/>
-                <a:cs typeface="Times New Roman" panose="02020603050405020304" pitchFamily="18" charset="0"/>
-              </a:rPr>
-              <a:t> </a:t>
+              <a:t>ThS. </a:t>
             </a:r>
             <a:r>
               <a:rPr lang="en-US" sz="2000" b="1" err="1">
@@ -7299,19 +7556,8 @@
                 <a:latin typeface="Cambria (Headings)"/>
                 <a:cs typeface="Times New Roman" panose="02020603050405020304" pitchFamily="18" charset="0"/>
               </a:rPr>
-              <a:t> </a:t>
-            </a:r>
-            <a:r>
-              <a:rPr lang="en-US" sz="2000" b="1" err="1">
-                <a:latin typeface="Cambria (Headings)"/>
-                <a:cs typeface="Times New Roman" panose="02020603050405020304" pitchFamily="18" charset="0"/>
-              </a:rPr>
-              <a:t>Nguyên</a:t>
-            </a:r>
-            <a:endParaRPr lang="en-US" sz="2000" b="1">
-              <a:latin typeface="Cambria (Headings)"/>
-              <a:cs typeface="Times New Roman" panose="02020603050405020304" pitchFamily="18" charset="0"/>
-            </a:endParaRPr>
+              <a:t> Nguyên (13520564)</a:t>
+            </a:r>
           </a:p>
         </p:txBody>
       </p:sp>
@@ -7329,164 +7575,6 @@
 </file>
 
 <file path=ppt/slides/slide10.xml><?xml version="1.0" encoding="utf-8"?>
-<p:sld xmlns:a="http://schemas.openxmlformats.org/drawingml/2006/main" xmlns:r="http://schemas.openxmlformats.org/officeDocument/2006/relationships" xmlns:p="http://schemas.openxmlformats.org/presentationml/2006/main">
-  <p:cSld>
-    <p:spTree>
-      <p:nvGrpSpPr>
-        <p:cNvPr id="1" name=""/>
-        <p:cNvGrpSpPr/>
-        <p:nvPr/>
-      </p:nvGrpSpPr>
-      <p:grpSpPr>
-        <a:xfrm>
-          <a:off x="0" y="0"/>
-          <a:ext cx="0" cy="0"/>
-          <a:chOff x="0" y="0"/>
-          <a:chExt cx="0" cy="0"/>
-        </a:xfrm>
-      </p:grpSpPr>
-      <p:sp>
-        <p:nvSpPr>
-          <p:cNvPr id="2" name="Title 1">
-            <a:extLst>
-              <a:ext uri="{FF2B5EF4-FFF2-40B4-BE49-F238E27FC236}">
-                <a16:creationId xmlns:a16="http://schemas.microsoft.com/office/drawing/2014/main" id="{535FAEE3-9CBF-43F6-BC47-9F5520D6BB61}"/>
-              </a:ext>
-            </a:extLst>
-          </p:cNvPr>
-          <p:cNvSpPr>
-            <a:spLocks noGrp="1"/>
-          </p:cNvSpPr>
-          <p:nvPr>
-            <p:ph type="title"/>
-          </p:nvPr>
-        </p:nvSpPr>
-        <p:spPr>
-          <a:xfrm>
-            <a:off x="486698" y="629267"/>
-            <a:ext cx="4917640" cy="1676603"/>
-          </a:xfrm>
-        </p:spPr>
-        <p:txBody>
-          <a:bodyPr>
-            <a:normAutofit/>
-          </a:bodyPr>
-          <a:lstStyle/>
-          <a:p>
-            <a:pPr algn="ctr"/>
-            <a:r>
-              <a:rPr lang="en-US" sz="3600">
-                <a:latin typeface="Cambria (Headings)"/>
-              </a:rPr>
-              <a:t>MÔ HÌNH ĐỀ XUẤT</a:t>
-            </a:r>
-          </a:p>
-        </p:txBody>
-      </p:sp>
-      <p:sp>
-        <p:nvSpPr>
-          <p:cNvPr id="7" name="Rectangle 6">
-            <a:extLst>
-              <a:ext uri="{FF2B5EF4-FFF2-40B4-BE49-F238E27FC236}">
-                <a16:creationId xmlns:a16="http://schemas.microsoft.com/office/drawing/2014/main" id="{418C6D75-5BD4-468C-9CFD-B0EF09230737}"/>
-              </a:ext>
-            </a:extLst>
-          </p:cNvPr>
-          <p:cNvSpPr/>
-          <p:nvPr/>
-        </p:nvSpPr>
-        <p:spPr>
-          <a:xfrm>
-            <a:off x="523142" y="2759215"/>
-            <a:ext cx="2735873" cy="954107"/>
-          </a:xfrm>
-          <a:prstGeom prst="rect">
-            <a:avLst/>
-          </a:prstGeom>
-        </p:spPr>
-        <p:txBody>
-          <a:bodyPr wrap="square">
-            <a:spAutoFit/>
-          </a:bodyPr>
-          <a:lstStyle/>
-          <a:p>
-            <a:pPr marL="457200" indent="-457200">
-              <a:buFont typeface="Arial" panose="020B0604020202020204" pitchFamily="34" charset="0"/>
-              <a:buChar char="•"/>
-            </a:pPr>
-            <a:r>
-              <a:rPr lang="en-US" sz="2800">
-                <a:latin typeface="Cambria" panose="02040503050406030204" pitchFamily="18" charset="0"/>
-                <a:cs typeface="Times New Roman" panose="02020603050405020304" pitchFamily="18" charset="0"/>
-              </a:rPr>
-              <a:t>Ngữ liệu</a:t>
-            </a:r>
-          </a:p>
-          <a:p>
-            <a:pPr marL="457200" indent="-457200">
-              <a:buFont typeface="Arial" panose="020B0604020202020204" pitchFamily="34" charset="0"/>
-              <a:buChar char="•"/>
-            </a:pPr>
-            <a:r>
-              <a:rPr lang="en-US" sz="2800">
-                <a:latin typeface="Cambria" panose="02040503050406030204" pitchFamily="18" charset="0"/>
-                <a:cs typeface="Times New Roman" panose="02020603050405020304" pitchFamily="18" charset="0"/>
-              </a:rPr>
-              <a:t>Thuật giải</a:t>
-            </a:r>
-            <a:endParaRPr lang="en-US" sz="2800"/>
-          </a:p>
-        </p:txBody>
-      </p:sp>
-      <p:pic>
-        <p:nvPicPr>
-          <p:cNvPr id="11" name="Picture 10" descr="A close up of a logo&#10;&#10;Description generated with very high confidence">
-            <a:extLst>
-              <a:ext uri="{FF2B5EF4-FFF2-40B4-BE49-F238E27FC236}">
-                <a16:creationId xmlns:a16="http://schemas.microsoft.com/office/drawing/2014/main" id="{705D3963-9BF4-4F9E-8773-C47F81B7839F}"/>
-              </a:ext>
-            </a:extLst>
-          </p:cNvPr>
-          <p:cNvPicPr>
-            <a:picLocks noChangeAspect="1"/>
-          </p:cNvPicPr>
-          <p:nvPr/>
-        </p:nvPicPr>
-        <p:blipFill rotWithShape="1">
-          <a:blip r:embed="rId3">
-            <a:extLst>
-              <a:ext uri="{28A0092B-C50C-407E-A947-70E740481C1C}">
-                <a14:useLocalDpi xmlns:a14="http://schemas.microsoft.com/office/drawing/2010/main" val="0"/>
-              </a:ext>
-            </a:extLst>
-          </a:blip>
-          <a:srcRect l="11274" t="13163" r="15326" b="18290"/>
-          <a:stretch/>
-        </p:blipFill>
-        <p:spPr>
-          <a:xfrm>
-            <a:off x="6031390" y="0"/>
-            <a:ext cx="3112610" cy="6858000"/>
-          </a:xfrm>
-          <a:prstGeom prst="rect">
-            <a:avLst/>
-          </a:prstGeom>
-        </p:spPr>
-      </p:pic>
-    </p:spTree>
-    <p:extLst>
-      <p:ext uri="{BB962C8B-B14F-4D97-AF65-F5344CB8AC3E}">
-        <p14:creationId xmlns:p14="http://schemas.microsoft.com/office/powerpoint/2010/main" val="1600200048"/>
-      </p:ext>
-    </p:extLst>
-  </p:cSld>
-  <p:clrMapOvr>
-    <a:masterClrMapping/>
-  </p:clrMapOvr>
-</p:sld>
-</file>
-
-<file path=ppt/slides/slide11.xml><?xml version="1.0" encoding="utf-8"?>
 <p:sld xmlns:a="http://schemas.openxmlformats.org/drawingml/2006/main" xmlns:r="http://schemas.openxmlformats.org/officeDocument/2006/relationships" xmlns:p="http://schemas.openxmlformats.org/presentationml/2006/main">
   <p:cSld>
     <p:spTree>
@@ -7658,6 +7746,311 @@
 </p:sld>
 </file>
 
+<file path=ppt/slides/slide11.xml><?xml version="1.0" encoding="utf-8"?>
+<p:sld xmlns:a="http://schemas.openxmlformats.org/drawingml/2006/main" xmlns:r="http://schemas.openxmlformats.org/officeDocument/2006/relationships" xmlns:p="http://schemas.openxmlformats.org/presentationml/2006/main">
+  <p:cSld>
+    <p:spTree>
+      <p:nvGrpSpPr>
+        <p:cNvPr id="1" name=""/>
+        <p:cNvGrpSpPr/>
+        <p:nvPr/>
+      </p:nvGrpSpPr>
+      <p:grpSpPr>
+        <a:xfrm>
+          <a:off x="0" y="0"/>
+          <a:ext cx="0" cy="0"/>
+          <a:chOff x="0" y="0"/>
+          <a:chExt cx="0" cy="0"/>
+        </a:xfrm>
+      </p:grpSpPr>
+      <p:sp>
+        <p:nvSpPr>
+          <p:cNvPr id="2" name="Title 1">
+            <a:extLst>
+              <a:ext uri="{FF2B5EF4-FFF2-40B4-BE49-F238E27FC236}">
+                <a16:creationId xmlns:a16="http://schemas.microsoft.com/office/drawing/2014/main" id="{535FAEE3-9CBF-43F6-BC47-9F5520D6BB61}"/>
+              </a:ext>
+            </a:extLst>
+          </p:cNvPr>
+          <p:cNvSpPr>
+            <a:spLocks noGrp="1"/>
+          </p:cNvSpPr>
+          <p:nvPr>
+            <p:ph type="title"/>
+          </p:nvPr>
+        </p:nvSpPr>
+        <p:spPr>
+          <a:xfrm>
+            <a:off x="105508" y="93785"/>
+            <a:ext cx="2133600" cy="902677"/>
+          </a:xfrm>
+        </p:spPr>
+        <p:txBody>
+          <a:bodyPr>
+            <a:normAutofit fontScale="90000"/>
+          </a:bodyPr>
+          <a:lstStyle/>
+          <a:p>
+            <a:pPr algn="ctr"/>
+            <a:r>
+              <a:rPr lang="en-US" sz="3600">
+                <a:latin typeface="Cambria (Headings)"/>
+              </a:rPr>
+              <a:t>MÔ HÌNH ĐỀ XUẤT</a:t>
+            </a:r>
+          </a:p>
+        </p:txBody>
+      </p:sp>
+      <p:sp>
+        <p:nvSpPr>
+          <p:cNvPr id="7" name="Rectangle 6">
+            <a:extLst>
+              <a:ext uri="{FF2B5EF4-FFF2-40B4-BE49-F238E27FC236}">
+                <a16:creationId xmlns:a16="http://schemas.microsoft.com/office/drawing/2014/main" id="{418C6D75-5BD4-468C-9CFD-B0EF09230737}"/>
+              </a:ext>
+            </a:extLst>
+          </p:cNvPr>
+          <p:cNvSpPr/>
+          <p:nvPr/>
+        </p:nvSpPr>
+        <p:spPr>
+          <a:xfrm>
+            <a:off x="2398834" y="283513"/>
+            <a:ext cx="2735873" cy="523220"/>
+          </a:xfrm>
+          <a:prstGeom prst="rect">
+            <a:avLst/>
+          </a:prstGeom>
+        </p:spPr>
+        <p:txBody>
+          <a:bodyPr wrap="square">
+            <a:spAutoFit/>
+          </a:bodyPr>
+          <a:lstStyle/>
+          <a:p>
+            <a:pPr marL="457200" indent="-457200">
+              <a:buFont typeface="Arial" panose="020B0604020202020204" pitchFamily="34" charset="0"/>
+              <a:buChar char="•"/>
+            </a:pPr>
+            <a:r>
+              <a:rPr lang="en-US" sz="2800">
+                <a:latin typeface="Cambria" panose="02040503050406030204" pitchFamily="18" charset="0"/>
+                <a:cs typeface="Times New Roman" panose="02020603050405020304" pitchFamily="18" charset="0"/>
+              </a:rPr>
+              <a:t>Thuật giải</a:t>
+            </a:r>
+            <a:endParaRPr lang="en-US" sz="2800"/>
+          </a:p>
+        </p:txBody>
+      </p:sp>
+      <p:sp>
+        <p:nvSpPr>
+          <p:cNvPr id="3" name="TextBox 2">
+            <a:extLst>
+              <a:ext uri="{FF2B5EF4-FFF2-40B4-BE49-F238E27FC236}">
+                <a16:creationId xmlns:a16="http://schemas.microsoft.com/office/drawing/2014/main" id="{EA84C5CB-19AA-4D68-8224-7D2B50AD8ABB}"/>
+              </a:ext>
+            </a:extLst>
+          </p:cNvPr>
+          <p:cNvSpPr txBox="1"/>
+          <p:nvPr/>
+        </p:nvSpPr>
+        <p:spPr>
+          <a:xfrm>
+            <a:off x="515815" y="996462"/>
+            <a:ext cx="8241323" cy="5755422"/>
+          </a:xfrm>
+          <a:prstGeom prst="rect">
+            <a:avLst/>
+          </a:prstGeom>
+          <a:noFill/>
+        </p:spPr>
+        <p:txBody>
+          <a:bodyPr wrap="square" rtlCol="0">
+            <a:spAutoFit/>
+          </a:bodyPr>
+          <a:lstStyle/>
+          <a:p>
+            <a:r>
+              <a:rPr lang="en-US" sz="3200"/>
+              <a:t>Tiền xử lý:</a:t>
+            </a:r>
+          </a:p>
+          <a:p>
+            <a:pPr marL="285750" lvl="0" indent="-285750">
+              <a:buFont typeface="Arial" panose="020B0604020202020204" pitchFamily="34" charset="0"/>
+              <a:buChar char="•"/>
+            </a:pPr>
+            <a:r>
+              <a:rPr lang="en-US" sz="3200"/>
+              <a:t>Thêm thành phần để phát hiện bắt đầu câu.</a:t>
+            </a:r>
+          </a:p>
+          <a:p>
+            <a:pPr lvl="0"/>
+            <a:r>
+              <a:rPr lang="en-US" sz="2400">
+                <a:latin typeface="Cambria" panose="02040503050406030204" pitchFamily="18" charset="0"/>
+              </a:rPr>
+              <a:t>(</a:t>
+            </a:r>
+            <a:r>
+              <a:rPr lang="vi-VN" sz="2400">
+                <a:latin typeface="Cambria" panose="02040503050406030204" pitchFamily="18" charset="0"/>
+              </a:rPr>
+              <a:t>“I am a man” </a:t>
+            </a:r>
+            <a:r>
+              <a:rPr lang="en-US" sz="2400">
+                <a:latin typeface="Cambria" panose="02040503050406030204" pitchFamily="18" charset="0"/>
+              </a:rPr>
+              <a:t>=&gt; </a:t>
+            </a:r>
+            <a:r>
+              <a:rPr lang="vi-VN" sz="2400" i="1">
+                <a:latin typeface="Cambria" panose="02040503050406030204" pitchFamily="18" charset="0"/>
+              </a:rPr>
+              <a:t>“&lt;P&gt; I am a man”</a:t>
+            </a:r>
+            <a:r>
+              <a:rPr lang="vi-VN" sz="2400">
+                <a:latin typeface="Cambria" panose="02040503050406030204" pitchFamily="18" charset="0"/>
+              </a:rPr>
+              <a:t>)</a:t>
+            </a:r>
+            <a:endParaRPr lang="en-US" sz="2400">
+              <a:latin typeface="Cambria" panose="02040503050406030204" pitchFamily="18" charset="0"/>
+            </a:endParaRPr>
+          </a:p>
+          <a:p>
+            <a:pPr marL="285750" lvl="0" indent="-285750">
+              <a:buFont typeface="Arial" panose="020B0604020202020204" pitchFamily="34" charset="0"/>
+              <a:buChar char="•"/>
+            </a:pPr>
+            <a:r>
+              <a:rPr lang="en-US" sz="3200"/>
+              <a:t>Loại bỏ dấu câu và các ký tự đặc biệt, thay thế bằng dấu khoảng cách </a:t>
+            </a:r>
+          </a:p>
+          <a:p>
+            <a:pPr marL="285750" lvl="0" indent="-285750">
+              <a:buFont typeface="Arial" panose="020B0604020202020204" pitchFamily="34" charset="0"/>
+              <a:buChar char="•"/>
+            </a:pPr>
+            <a:r>
+              <a:rPr lang="en-US" sz="3200"/>
+              <a:t>Loại bỏ các thành phần đặc biệt như email, domain, số điện thoại</a:t>
+            </a:r>
+          </a:p>
+          <a:p>
+            <a:pPr lvl="0"/>
+            <a:r>
+              <a:rPr lang="en-US" sz="2400">
+                <a:latin typeface="Cambria" panose="02040503050406030204" pitchFamily="18" charset="0"/>
+              </a:rPr>
+              <a:t>(loại bỏ </a:t>
+            </a:r>
+            <a:r>
+              <a:rPr lang="vi-VN" sz="2400">
+                <a:latin typeface="Cambria" panose="02040503050406030204" pitchFamily="18" charset="0"/>
+              </a:rPr>
+              <a:t>“example@host.com”</a:t>
+            </a:r>
+            <a:r>
+              <a:rPr lang="en-US" sz="2400">
+                <a:latin typeface="Cambria" panose="02040503050406030204" pitchFamily="18" charset="0"/>
+              </a:rPr>
+              <a:t> hoặc “</a:t>
+            </a:r>
+            <a:r>
+              <a:rPr lang="vi-VN" sz="2400">
+                <a:latin typeface="Cambria" panose="02040503050406030204" pitchFamily="18" charset="0"/>
+              </a:rPr>
+              <a:t>0121 2234 1909” </a:t>
+            </a:r>
+            <a:r>
+              <a:rPr lang="en-US" sz="2400">
+                <a:latin typeface="Cambria" panose="02040503050406030204" pitchFamily="18" charset="0"/>
+              </a:rPr>
+              <a:t>hoặc </a:t>
+            </a:r>
+            <a:r>
+              <a:rPr lang="vi-VN" sz="2400">
+                <a:latin typeface="Cambria" panose="02040503050406030204" pitchFamily="18" charset="0"/>
+              </a:rPr>
+              <a:t>“https://www.google.com”</a:t>
+            </a:r>
+            <a:endParaRPr lang="en-US" sz="2400">
+              <a:latin typeface="Cambria" panose="02040503050406030204" pitchFamily="18" charset="0"/>
+            </a:endParaRPr>
+          </a:p>
+          <a:p>
+            <a:pPr lvl="0"/>
+            <a:r>
+              <a:rPr lang="en-US" sz="2400">
+                <a:latin typeface="Cambria" panose="02040503050406030204" pitchFamily="18" charset="0"/>
+              </a:rPr>
+              <a:t>Thay thế </a:t>
+            </a:r>
+            <a:r>
+              <a:rPr lang="vi-VN" sz="2400">
+                <a:latin typeface="Cambria" panose="02040503050406030204" pitchFamily="18" charset="0"/>
+              </a:rPr>
+              <a:t>“1990’s” thành “ ’s ”. </a:t>
+            </a:r>
+            <a:r>
+              <a:rPr lang="en-US" sz="2400">
+                <a:latin typeface="Cambria" panose="02040503050406030204" pitchFamily="18" charset="0"/>
+              </a:rPr>
+              <a:t>)</a:t>
+            </a:r>
+          </a:p>
+          <a:p>
+            <a:pPr marL="285750" lvl="0" indent="-285750">
+              <a:buFont typeface="Arial" panose="020B0604020202020204" pitchFamily="34" charset="0"/>
+              <a:buChar char="•"/>
+            </a:pPr>
+            <a:r>
+              <a:rPr lang="en-US" sz="3200"/>
+              <a:t>Thay thế từ viết tắt.</a:t>
+            </a:r>
+          </a:p>
+          <a:p>
+            <a:pPr lvl="0"/>
+            <a:r>
+              <a:rPr lang="en-US" sz="2400">
+                <a:latin typeface="Cambria" panose="02040503050406030204" pitchFamily="18" charset="0"/>
+              </a:rPr>
+              <a:t>(</a:t>
+            </a:r>
+            <a:r>
+              <a:rPr lang="vi-VN" sz="2400">
+                <a:latin typeface="Cambria" panose="02040503050406030204" pitchFamily="18" charset="0"/>
+              </a:rPr>
+              <a:t>“wouldn’t” thành “would not”, “let’s” thành “let us”, “I’ve” thành “I have”</a:t>
+            </a:r>
+            <a:r>
+              <a:rPr lang="en-US" sz="2400">
+                <a:latin typeface="Cambria" panose="02040503050406030204" pitchFamily="18" charset="0"/>
+              </a:rPr>
+              <a:t>)</a:t>
+            </a:r>
+          </a:p>
+        </p:txBody>
+      </p:sp>
+    </p:spTree>
+    <p:extLst>
+      <p:ext uri="{BB962C8B-B14F-4D97-AF65-F5344CB8AC3E}">
+        <p14:creationId xmlns:p14="http://schemas.microsoft.com/office/powerpoint/2010/main" val="1094220507"/>
+      </p:ext>
+    </p:extLst>
+  </p:cSld>
+  <p:clrMapOvr>
+    <a:masterClrMapping/>
+  </p:clrMapOvr>
+</p:sld>
+</file>
+
 <file path=ppt/slides/slide12.xml><?xml version="1.0" encoding="utf-8"?>
 <p:sld xmlns:a="http://schemas.openxmlformats.org/drawingml/2006/main" xmlns:r="http://schemas.openxmlformats.org/officeDocument/2006/relationships" xmlns:p="http://schemas.openxmlformats.org/presentationml/2006/main">
   <p:cSld>
@@ -7727,7 +8120,7 @@
         </p:nvSpPr>
         <p:spPr>
           <a:xfrm>
-            <a:off x="2398834" y="283513"/>
+            <a:off x="0" y="1130337"/>
             <a:ext cx="2735873" cy="523220"/>
           </a:xfrm>
           <a:prstGeom prst="rect">
@@ -7752,349 +8145,6 @@
               <a:t>Thuật giải</a:t>
             </a:r>
             <a:endParaRPr lang="en-US" sz="2800"/>
-          </a:p>
-        </p:txBody>
-      </p:sp>
-      <p:sp>
-        <p:nvSpPr>
-          <p:cNvPr id="3" name="TextBox 2">
-            <a:extLst>
-              <a:ext uri="{FF2B5EF4-FFF2-40B4-BE49-F238E27FC236}">
-                <a16:creationId xmlns:a16="http://schemas.microsoft.com/office/drawing/2014/main" id="{EA84C5CB-19AA-4D68-8224-7D2B50AD8ABB}"/>
-              </a:ext>
-            </a:extLst>
-          </p:cNvPr>
-          <p:cNvSpPr txBox="1"/>
-          <p:nvPr/>
-        </p:nvSpPr>
-        <p:spPr>
-          <a:xfrm>
-            <a:off x="515815" y="996462"/>
-            <a:ext cx="8241323" cy="5755422"/>
-          </a:xfrm>
-          <a:prstGeom prst="rect">
-            <a:avLst/>
-          </a:prstGeom>
-          <a:noFill/>
-        </p:spPr>
-        <p:txBody>
-          <a:bodyPr wrap="square" rtlCol="0">
-            <a:spAutoFit/>
-          </a:bodyPr>
-          <a:lstStyle/>
-          <a:p>
-            <a:r>
-              <a:rPr lang="en-US" sz="3200"/>
-              <a:t>Tiền xử lý:</a:t>
-            </a:r>
-          </a:p>
-          <a:p>
-            <a:pPr marL="285750" lvl="0" indent="-285750">
-              <a:buFont typeface="Arial" panose="020B0604020202020204" pitchFamily="34" charset="0"/>
-              <a:buChar char="•"/>
-            </a:pPr>
-            <a:r>
-              <a:rPr lang="en-US" sz="3200"/>
-              <a:t>Thêm thành phần để phát hiện bắt đầu câu.</a:t>
-            </a:r>
-          </a:p>
-          <a:p>
-            <a:pPr lvl="0"/>
-            <a:r>
-              <a:rPr lang="en-US" sz="2400">
-                <a:latin typeface="Cambria" panose="02040503050406030204" pitchFamily="18" charset="0"/>
-              </a:rPr>
-              <a:t>(</a:t>
-            </a:r>
-            <a:r>
-              <a:rPr lang="vi-VN" sz="2400">
-                <a:latin typeface="Cambria" panose="02040503050406030204" pitchFamily="18" charset="0"/>
-              </a:rPr>
-              <a:t>“I am a man” </a:t>
-            </a:r>
-            <a:r>
-              <a:rPr lang="en-US" sz="2400">
-                <a:latin typeface="Cambria" panose="02040503050406030204" pitchFamily="18" charset="0"/>
-              </a:rPr>
-              <a:t>=&gt; </a:t>
-            </a:r>
-            <a:r>
-              <a:rPr lang="vi-VN" sz="2400" i="1">
-                <a:latin typeface="Cambria" panose="02040503050406030204" pitchFamily="18" charset="0"/>
-              </a:rPr>
-              <a:t>“&lt;P&gt; I am a man”</a:t>
-            </a:r>
-            <a:r>
-              <a:rPr lang="vi-VN" sz="2400">
-                <a:latin typeface="Cambria" panose="02040503050406030204" pitchFamily="18" charset="0"/>
-              </a:rPr>
-              <a:t>)</a:t>
-            </a:r>
-            <a:endParaRPr lang="en-US" sz="2400">
-              <a:latin typeface="Cambria" panose="02040503050406030204" pitchFamily="18" charset="0"/>
-            </a:endParaRPr>
-          </a:p>
-          <a:p>
-            <a:pPr marL="285750" lvl="0" indent="-285750">
-              <a:buFont typeface="Arial" panose="020B0604020202020204" pitchFamily="34" charset="0"/>
-              <a:buChar char="•"/>
-            </a:pPr>
-            <a:r>
-              <a:rPr lang="en-US" sz="3200"/>
-              <a:t>Loại bỏ dấu câu và các ký tự đặc biệt, thay thế bằng dấu khoảng cách </a:t>
-            </a:r>
-          </a:p>
-          <a:p>
-            <a:pPr marL="285750" lvl="0" indent="-285750">
-              <a:buFont typeface="Arial" panose="020B0604020202020204" pitchFamily="34" charset="0"/>
-              <a:buChar char="•"/>
-            </a:pPr>
-            <a:r>
-              <a:rPr lang="en-US" sz="3200"/>
-              <a:t>Loại bỏ các thành phần đặc biệt như email, domain, số điện thoại</a:t>
-            </a:r>
-          </a:p>
-          <a:p>
-            <a:pPr lvl="0"/>
-            <a:r>
-              <a:rPr lang="en-US" sz="2400">
-                <a:latin typeface="Cambria" panose="02040503050406030204" pitchFamily="18" charset="0"/>
-              </a:rPr>
-              <a:t>(loại bỏ </a:t>
-            </a:r>
-            <a:r>
-              <a:rPr lang="vi-VN" sz="2400">
-                <a:latin typeface="Cambria" panose="02040503050406030204" pitchFamily="18" charset="0"/>
-              </a:rPr>
-              <a:t>“example@host.com”</a:t>
-            </a:r>
-            <a:r>
-              <a:rPr lang="en-US" sz="2400">
-                <a:latin typeface="Cambria" panose="02040503050406030204" pitchFamily="18" charset="0"/>
-              </a:rPr>
-              <a:t> hoặc “</a:t>
-            </a:r>
-            <a:r>
-              <a:rPr lang="vi-VN" sz="2400">
-                <a:latin typeface="Cambria" panose="02040503050406030204" pitchFamily="18" charset="0"/>
-              </a:rPr>
-              <a:t>0121 2234 1909” </a:t>
-            </a:r>
-            <a:r>
-              <a:rPr lang="en-US" sz="2400">
-                <a:latin typeface="Cambria" panose="02040503050406030204" pitchFamily="18" charset="0"/>
-              </a:rPr>
-              <a:t>hoặc </a:t>
-            </a:r>
-            <a:r>
-              <a:rPr lang="vi-VN" sz="2400">
-                <a:latin typeface="Cambria" panose="02040503050406030204" pitchFamily="18" charset="0"/>
-              </a:rPr>
-              <a:t>“https://www.google.com”</a:t>
-            </a:r>
-            <a:endParaRPr lang="en-US" sz="2400">
-              <a:latin typeface="Cambria" panose="02040503050406030204" pitchFamily="18" charset="0"/>
-            </a:endParaRPr>
-          </a:p>
-          <a:p>
-            <a:pPr lvl="0"/>
-            <a:r>
-              <a:rPr lang="en-US" sz="2400">
-                <a:latin typeface="Cambria" panose="02040503050406030204" pitchFamily="18" charset="0"/>
-              </a:rPr>
-              <a:t>Thay thế </a:t>
-            </a:r>
-            <a:r>
-              <a:rPr lang="vi-VN" sz="2400">
-                <a:latin typeface="Cambria" panose="02040503050406030204" pitchFamily="18" charset="0"/>
-              </a:rPr>
-              <a:t>“1990’s” thành “ ’s ”. </a:t>
-            </a:r>
-            <a:r>
-              <a:rPr lang="en-US" sz="2400">
-                <a:latin typeface="Cambria" panose="02040503050406030204" pitchFamily="18" charset="0"/>
-              </a:rPr>
-              <a:t>)</a:t>
-            </a:r>
-          </a:p>
-          <a:p>
-            <a:pPr marL="285750" lvl="0" indent="-285750">
-              <a:buFont typeface="Arial" panose="020B0604020202020204" pitchFamily="34" charset="0"/>
-              <a:buChar char="•"/>
-            </a:pPr>
-            <a:r>
-              <a:rPr lang="en-US" sz="3200"/>
-              <a:t>Thay thế từ viết tắt.</a:t>
-            </a:r>
-          </a:p>
-          <a:p>
-            <a:pPr lvl="0"/>
-            <a:r>
-              <a:rPr lang="en-US" sz="2400">
-                <a:latin typeface="Cambria" panose="02040503050406030204" pitchFamily="18" charset="0"/>
-              </a:rPr>
-              <a:t>(</a:t>
-            </a:r>
-            <a:r>
-              <a:rPr lang="vi-VN" sz="2400">
-                <a:latin typeface="Cambria" panose="02040503050406030204" pitchFamily="18" charset="0"/>
-              </a:rPr>
-              <a:t>“wouldn’t” thành “would not”, “let’s” thành “let us”, “I’ve” thành “I have”</a:t>
-            </a:r>
-            <a:r>
-              <a:rPr lang="en-US" sz="2400">
-                <a:latin typeface="Cambria" panose="02040503050406030204" pitchFamily="18" charset="0"/>
-              </a:rPr>
-              <a:t>)</a:t>
-            </a:r>
-          </a:p>
-        </p:txBody>
-      </p:sp>
-    </p:spTree>
-    <p:extLst>
-      <p:ext uri="{BB962C8B-B14F-4D97-AF65-F5344CB8AC3E}">
-        <p14:creationId xmlns:p14="http://schemas.microsoft.com/office/powerpoint/2010/main" val="1094220507"/>
-      </p:ext>
-    </p:extLst>
-  </p:cSld>
-  <p:clrMapOvr>
-    <a:masterClrMapping/>
-  </p:clrMapOvr>
-</p:sld>
-</file>
-
-<file path=ppt/slides/slide13.xml><?xml version="1.0" encoding="utf-8"?>
-<p:sld xmlns:a="http://schemas.openxmlformats.org/drawingml/2006/main" xmlns:r="http://schemas.openxmlformats.org/officeDocument/2006/relationships" xmlns:p="http://schemas.openxmlformats.org/presentationml/2006/main">
-  <p:cSld>
-    <p:spTree>
-      <p:nvGrpSpPr>
-        <p:cNvPr id="1" name=""/>
-        <p:cNvGrpSpPr/>
-        <p:nvPr/>
-      </p:nvGrpSpPr>
-      <p:grpSpPr>
-        <a:xfrm>
-          <a:off x="0" y="0"/>
-          <a:ext cx="0" cy="0"/>
-          <a:chOff x="0" y="0"/>
-          <a:chExt cx="0" cy="0"/>
-        </a:xfrm>
-      </p:grpSpPr>
-      <p:sp>
-        <p:nvSpPr>
-          <p:cNvPr id="2" name="Title 1">
-            <a:extLst>
-              <a:ext uri="{FF2B5EF4-FFF2-40B4-BE49-F238E27FC236}">
-                <a16:creationId xmlns:a16="http://schemas.microsoft.com/office/drawing/2014/main" id="{535FAEE3-9CBF-43F6-BC47-9F5520D6BB61}"/>
-              </a:ext>
-            </a:extLst>
-          </p:cNvPr>
-          <p:cNvSpPr>
-            <a:spLocks noGrp="1"/>
-          </p:cNvSpPr>
-          <p:nvPr>
-            <p:ph type="title"/>
-          </p:nvPr>
-        </p:nvSpPr>
-        <p:spPr>
-          <a:xfrm>
-            <a:off x="105508" y="93785"/>
-            <a:ext cx="2133600" cy="902677"/>
-          </a:xfrm>
-        </p:spPr>
-        <p:txBody>
-          <a:bodyPr>
-            <a:normAutofit fontScale="90000"/>
-          </a:bodyPr>
-          <a:lstStyle/>
-          <a:p>
-            <a:pPr algn="ctr"/>
-            <a:r>
-              <a:rPr lang="en-US" sz="3600">
-                <a:latin typeface="Cambria (Headings)"/>
-              </a:rPr>
-              <a:t>MÔ HÌNH ĐỀ XUẤT</a:t>
-            </a:r>
-          </a:p>
-        </p:txBody>
-      </p:sp>
-      <p:sp>
-        <p:nvSpPr>
-          <p:cNvPr id="7" name="Rectangle 6">
-            <a:extLst>
-              <a:ext uri="{FF2B5EF4-FFF2-40B4-BE49-F238E27FC236}">
-                <a16:creationId xmlns:a16="http://schemas.microsoft.com/office/drawing/2014/main" id="{418C6D75-5BD4-468C-9CFD-B0EF09230737}"/>
-              </a:ext>
-            </a:extLst>
-          </p:cNvPr>
-          <p:cNvSpPr/>
-          <p:nvPr/>
-        </p:nvSpPr>
-        <p:spPr>
-          <a:xfrm>
-            <a:off x="2398834" y="283513"/>
-            <a:ext cx="2735873" cy="523220"/>
-          </a:xfrm>
-          <a:prstGeom prst="rect">
-            <a:avLst/>
-          </a:prstGeom>
-        </p:spPr>
-        <p:txBody>
-          <a:bodyPr wrap="square">
-            <a:spAutoFit/>
-          </a:bodyPr>
-          <a:lstStyle/>
-          <a:p>
-            <a:pPr marL="457200" indent="-457200">
-              <a:buFont typeface="Arial" panose="020B0604020202020204" pitchFamily="34" charset="0"/>
-              <a:buChar char="•"/>
-            </a:pPr>
-            <a:r>
-              <a:rPr lang="en-US" sz="2800">
-                <a:latin typeface="Cambria" panose="02040503050406030204" pitchFamily="18" charset="0"/>
-                <a:cs typeface="Times New Roman" panose="02020603050405020304" pitchFamily="18" charset="0"/>
-              </a:rPr>
-              <a:t>Thuật giải</a:t>
-            </a:r>
-            <a:endParaRPr lang="en-US" sz="2800"/>
-          </a:p>
-        </p:txBody>
-      </p:sp>
-      <p:sp>
-        <p:nvSpPr>
-          <p:cNvPr id="3" name="TextBox 2">
-            <a:extLst>
-              <a:ext uri="{FF2B5EF4-FFF2-40B4-BE49-F238E27FC236}">
-                <a16:creationId xmlns:a16="http://schemas.microsoft.com/office/drawing/2014/main" id="{EA84C5CB-19AA-4D68-8224-7D2B50AD8ABB}"/>
-              </a:ext>
-            </a:extLst>
-          </p:cNvPr>
-          <p:cNvSpPr txBox="1"/>
-          <p:nvPr/>
-        </p:nvSpPr>
-        <p:spPr>
-          <a:xfrm>
-            <a:off x="515815" y="996462"/>
-            <a:ext cx="8241323" cy="584775"/>
-          </a:xfrm>
-          <a:prstGeom prst="rect">
-            <a:avLst/>
-          </a:prstGeom>
-          <a:noFill/>
-        </p:spPr>
-        <p:txBody>
-          <a:bodyPr wrap="square" rtlCol="0">
-            <a:spAutoFit/>
-          </a:bodyPr>
-          <a:lstStyle/>
-          <a:p>
-            <a:r>
-              <a:rPr lang="en-US" sz="3200"/>
-              <a:t>Giải thuật chọn đáp án</a:t>
-            </a:r>
-            <a:endParaRPr lang="en-US" sz="2400">
-              <a:latin typeface="Cambria" panose="02040503050406030204" pitchFamily="18" charset="0"/>
-            </a:endParaRPr>
           </a:p>
         </p:txBody>
       </p:sp>
@@ -8112,7 +8162,7 @@
         </p:nvSpPr>
         <p:spPr>
           <a:xfrm>
-            <a:off x="562707" y="1770966"/>
+            <a:off x="4968385" y="357825"/>
             <a:ext cx="4572000" cy="1862048"/>
           </a:xfrm>
           <a:prstGeom prst="rect">
@@ -8261,7 +8311,7 @@
         </p:blipFill>
         <p:spPr>
           <a:xfrm>
-            <a:off x="0" y="3822743"/>
+            <a:off x="-13922" y="1770966"/>
             <a:ext cx="9144000" cy="2409663"/>
           </a:xfrm>
           <a:prstGeom prst="rect">
@@ -8269,6 +8319,392 @@
           </a:prstGeom>
         </p:spPr>
       </p:pic>
+      <mc:AlternateContent xmlns:mc="http://schemas.openxmlformats.org/markup-compatibility/2006">
+        <mc:Choice xmlns:a14="http://schemas.microsoft.com/office/drawing/2010/main" Requires="a14">
+          <p:sp>
+            <p:nvSpPr>
+              <p:cNvPr id="5" name="Rectangle 4">
+                <a:extLst>
+                  <a:ext uri="{FF2B5EF4-FFF2-40B4-BE49-F238E27FC236}">
+                    <a16:creationId xmlns:a16="http://schemas.microsoft.com/office/drawing/2014/main" id="{A3E3B090-606B-4083-B62C-99B146087966}"/>
+                  </a:ext>
+                </a:extLst>
+              </p:cNvPr>
+              <p:cNvSpPr/>
+              <p:nvPr/>
+            </p:nvSpPr>
+            <p:spPr>
+              <a:xfrm>
+                <a:off x="376064" y="4298038"/>
+                <a:ext cx="8066895" cy="2331087"/>
+              </a:xfrm>
+              <a:prstGeom prst="rect">
+                <a:avLst/>
+              </a:prstGeom>
+            </p:spPr>
+            <p:txBody>
+              <a:bodyPr wrap="square">
+                <a:spAutoFit/>
+              </a:bodyPr>
+              <a:lstStyle/>
+              <a:p>
+                <a:pPr marL="342900" marR="0" lvl="0" indent="-342900" algn="just">
+                  <a:lnSpc>
+                    <a:spcPct val="150000"/>
+                  </a:lnSpc>
+                  <a:spcBef>
+                    <a:spcPts val="0"/>
+                  </a:spcBef>
+                  <a:spcAft>
+                    <a:spcPts val="0"/>
+                  </a:spcAft>
+                  <a:buFont typeface="Times New Roman" panose="02020603050405020304" pitchFamily="18" charset="0"/>
+                  <a:buChar char="-"/>
+                </a:pPr>
+                <a14:m>
+                  <m:oMath xmlns:m="http://schemas.openxmlformats.org/officeDocument/2006/math">
+                    <m:r>
+                      <a:rPr lang="en-US" sz="2500" b="1" i="1" smtClean="0">
+                        <a:latin typeface="Cambria Math" panose="02040503050406030204" pitchFamily="18" charset="0"/>
+                        <a:ea typeface="Times New Roman" panose="02020603050405020304" pitchFamily="18" charset="0"/>
+                        <a:cs typeface="Times New Roman" panose="02020603050405020304" pitchFamily="18" charset="0"/>
+                      </a:rPr>
+                      <m:t>𝑷</m:t>
+                    </m:r>
+                    <m:d>
+                      <m:dPr>
+                        <m:ctrlPr>
+                          <a:rPr lang="en-US" sz="2500" i="1">
+                            <a:latin typeface="Cambria Math" panose="02040503050406030204" pitchFamily="18" charset="0"/>
+                            <a:ea typeface="Times New Roman" panose="02020603050405020304" pitchFamily="18" charset="0"/>
+                            <a:cs typeface="Times New Roman" panose="02020603050405020304" pitchFamily="18" charset="0"/>
+                          </a:rPr>
+                        </m:ctrlPr>
+                      </m:dPr>
+                      <m:e>
+                        <m:sSub>
+                          <m:sSubPr>
+                            <m:ctrlPr>
+                              <a:rPr lang="en-US" sz="2500" i="1">
+                                <a:latin typeface="Cambria Math" panose="02040503050406030204" pitchFamily="18" charset="0"/>
+                                <a:ea typeface="Times New Roman" panose="02020603050405020304" pitchFamily="18" charset="0"/>
+                                <a:cs typeface="Times New Roman" panose="02020603050405020304" pitchFamily="18" charset="0"/>
+                              </a:rPr>
+                            </m:ctrlPr>
+                          </m:sSubPr>
+                          <m:e>
+                            <m:r>
+                              <a:rPr lang="en-US" sz="2500" b="1" i="1">
+                                <a:latin typeface="Cambria Math" panose="02040503050406030204" pitchFamily="18" charset="0"/>
+                                <a:ea typeface="Times New Roman" panose="02020603050405020304" pitchFamily="18" charset="0"/>
+                                <a:cs typeface="Times New Roman" panose="02020603050405020304" pitchFamily="18" charset="0"/>
+                              </a:rPr>
+                              <m:t>𝒔</m:t>
+                            </m:r>
+                          </m:e>
+                          <m:sub>
+                            <m:r>
+                              <a:rPr lang="en-US" sz="2500" b="1" i="1">
+                                <a:latin typeface="Cambria Math" panose="02040503050406030204" pitchFamily="18" charset="0"/>
+                                <a:ea typeface="Times New Roman" panose="02020603050405020304" pitchFamily="18" charset="0"/>
+                                <a:cs typeface="Times New Roman" panose="02020603050405020304" pitchFamily="18" charset="0"/>
+                              </a:rPr>
+                              <m:t>𝟎</m:t>
+                            </m:r>
+                          </m:sub>
+                        </m:sSub>
+                        <m:r>
+                          <a:rPr lang="en-US" sz="2500">
+                            <a:latin typeface="Cambria Math" panose="02040503050406030204" pitchFamily="18" charset="0"/>
+                            <a:ea typeface="Times New Roman" panose="02020603050405020304" pitchFamily="18" charset="0"/>
+                            <a:cs typeface="Times New Roman" panose="02020603050405020304" pitchFamily="18" charset="0"/>
+                          </a:rPr>
+                          <m:t>, </m:t>
+                        </m:r>
+                        <m:sSub>
+                          <m:sSubPr>
+                            <m:ctrlPr>
+                              <a:rPr lang="en-US" sz="2500" i="1">
+                                <a:latin typeface="Cambria Math" panose="02040503050406030204" pitchFamily="18" charset="0"/>
+                                <a:ea typeface="Times New Roman" panose="02020603050405020304" pitchFamily="18" charset="0"/>
+                                <a:cs typeface="Times New Roman" panose="02020603050405020304" pitchFamily="18" charset="0"/>
+                              </a:rPr>
+                            </m:ctrlPr>
+                          </m:sSubPr>
+                          <m:e>
+                            <m:r>
+                              <a:rPr lang="en-US" sz="2500" b="1" i="1">
+                                <a:latin typeface="Cambria Math" panose="02040503050406030204" pitchFamily="18" charset="0"/>
+                                <a:ea typeface="Times New Roman" panose="02020603050405020304" pitchFamily="18" charset="0"/>
+                                <a:cs typeface="Times New Roman" panose="02020603050405020304" pitchFamily="18" charset="0"/>
+                              </a:rPr>
+                              <m:t>𝒔</m:t>
+                            </m:r>
+                          </m:e>
+                          <m:sub>
+                            <m:r>
+                              <a:rPr lang="en-US" sz="2500" b="1" i="1">
+                                <a:latin typeface="Cambria Math" panose="02040503050406030204" pitchFamily="18" charset="0"/>
+                                <a:ea typeface="Times New Roman" panose="02020603050405020304" pitchFamily="18" charset="0"/>
+                                <a:cs typeface="Times New Roman" panose="02020603050405020304" pitchFamily="18" charset="0"/>
+                              </a:rPr>
+                              <m:t>𝒌</m:t>
+                            </m:r>
+                          </m:sub>
+                        </m:sSub>
+                      </m:e>
+                    </m:d>
+                  </m:oMath>
+                </a14:m>
+                <a:r>
+                  <a:rPr lang="en-US" sz="2500">
+                    <a:latin typeface="Cambria" panose="02040503050406030204" pitchFamily="18" charset="0"/>
+                    <a:ea typeface="Times New Roman" panose="02020603050405020304" pitchFamily="18" charset="0"/>
+                    <a:cs typeface="Times New Roman" panose="02020603050405020304" pitchFamily="18" charset="0"/>
+                  </a:rPr>
+                  <a:t>­:   xác suất tồn tại của câu</a:t>
+                </a:r>
+                <a:endParaRPr lang="en-US" sz="2500">
+                  <a:latin typeface="Times New Roman" panose="02020603050405020304" pitchFamily="18" charset="0"/>
+                  <a:ea typeface="Times New Roman" panose="02020603050405020304" pitchFamily="18" charset="0"/>
+                </a:endParaRPr>
+              </a:p>
+              <a:p>
+                <a:pPr marL="342900" marR="0" lvl="0" indent="-342900" algn="just">
+                  <a:lnSpc>
+                    <a:spcPct val="150000"/>
+                  </a:lnSpc>
+                  <a:spcBef>
+                    <a:spcPts val="0"/>
+                  </a:spcBef>
+                  <a:spcAft>
+                    <a:spcPts val="0"/>
+                  </a:spcAft>
+                  <a:buFont typeface="Times New Roman" panose="02020603050405020304" pitchFamily="18" charset="0"/>
+                  <a:buChar char="-"/>
+                </a:pPr>
+                <a14:m>
+                  <m:oMath xmlns:m="http://schemas.openxmlformats.org/officeDocument/2006/math">
+                    <m:sSub>
+                      <m:sSubPr>
+                        <m:ctrlPr>
+                          <a:rPr lang="en-US" sz="2500" i="1">
+                            <a:latin typeface="Cambria Math" panose="02040503050406030204" pitchFamily="18" charset="0"/>
+                            <a:ea typeface="Times New Roman" panose="02020603050405020304" pitchFamily="18" charset="0"/>
+                            <a:cs typeface="Times New Roman" panose="02020603050405020304" pitchFamily="18" charset="0"/>
+                          </a:rPr>
+                        </m:ctrlPr>
+                      </m:sSubPr>
+                      <m:e>
+                        <m:r>
+                          <a:rPr lang="en-US" sz="2500" b="1" i="1">
+                            <a:latin typeface="Cambria Math" panose="02040503050406030204" pitchFamily="18" charset="0"/>
+                            <a:ea typeface="Times New Roman" panose="02020603050405020304" pitchFamily="18" charset="0"/>
+                            <a:cs typeface="Times New Roman" panose="02020603050405020304" pitchFamily="18" charset="0"/>
+                          </a:rPr>
+                          <m:t>𝒕</m:t>
+                        </m:r>
+                      </m:e>
+                      <m:sub>
+                        <m:r>
+                          <a:rPr lang="en-US" sz="2500" b="1" i="1">
+                            <a:latin typeface="Cambria Math" panose="02040503050406030204" pitchFamily="18" charset="0"/>
+                            <a:ea typeface="Times New Roman" panose="02020603050405020304" pitchFamily="18" charset="0"/>
+                            <a:cs typeface="Times New Roman" panose="02020603050405020304" pitchFamily="18" charset="0"/>
+                          </a:rPr>
+                          <m:t>𝒊</m:t>
+                        </m:r>
+                      </m:sub>
+                    </m:sSub>
+                  </m:oMath>
+                </a14:m>
+                <a:r>
+                  <a:rPr lang="en-US" sz="2500">
+                    <a:latin typeface="Cambria" panose="02040503050406030204" pitchFamily="18" charset="0"/>
+                    <a:ea typeface="Times New Roman" panose="02020603050405020304" pitchFamily="18" charset="0"/>
+                    <a:cs typeface="Times New Roman" panose="02020603050405020304" pitchFamily="18" charset="0"/>
+                  </a:rPr>
+                  <a:t>:  số lần xuất hiện của token</a:t>
+                </a:r>
+                <a:endParaRPr lang="en-US" sz="2500" b="1" i="1">
+                  <a:latin typeface="Cambria Math" panose="02040503050406030204" pitchFamily="18" charset="0"/>
+                  <a:ea typeface="Times New Roman" panose="02020603050405020304" pitchFamily="18" charset="0"/>
+                  <a:cs typeface="Times New Roman" panose="02020603050405020304" pitchFamily="18" charset="0"/>
+                </a:endParaRPr>
+              </a:p>
+              <a:p>
+                <a:pPr marL="342900" marR="0" lvl="0" indent="-342900" algn="just">
+                  <a:lnSpc>
+                    <a:spcPct val="150000"/>
+                  </a:lnSpc>
+                  <a:spcBef>
+                    <a:spcPts val="0"/>
+                  </a:spcBef>
+                  <a:spcAft>
+                    <a:spcPts val="0"/>
+                  </a:spcAft>
+                  <a:buFont typeface="Times New Roman" panose="02020603050405020304" pitchFamily="18" charset="0"/>
+                  <a:buChar char="-"/>
+                </a:pPr>
+                <a14:m>
+                  <m:oMath xmlns:m="http://schemas.openxmlformats.org/officeDocument/2006/math">
+                    <m:r>
+                      <a:rPr lang="en-US" sz="2500" b="1" i="1">
+                        <a:latin typeface="Cambria Math" panose="02040503050406030204" pitchFamily="18" charset="0"/>
+                        <a:ea typeface="Times New Roman" panose="02020603050405020304" pitchFamily="18" charset="0"/>
+                        <a:cs typeface="Times New Roman" panose="02020603050405020304" pitchFamily="18" charset="0"/>
+                      </a:rPr>
+                      <m:t>𝒎𝒂𝒙</m:t>
+                    </m:r>
+                    <m:r>
+                      <a:rPr lang="en-US" sz="2500">
+                        <a:latin typeface="Cambria Math" panose="02040503050406030204" pitchFamily="18" charset="0"/>
+                        <a:ea typeface="Times New Roman" panose="02020603050405020304" pitchFamily="18" charset="0"/>
+                        <a:cs typeface="Times New Roman" panose="02020603050405020304" pitchFamily="18" charset="0"/>
+                      </a:rPr>
+                      <m:t>(</m:t>
+                    </m:r>
+                    <m:sSub>
+                      <m:sSubPr>
+                        <m:ctrlPr>
+                          <a:rPr lang="en-US" sz="2500" i="1">
+                            <a:latin typeface="Cambria Math" panose="02040503050406030204" pitchFamily="18" charset="0"/>
+                            <a:ea typeface="Times New Roman" panose="02020603050405020304" pitchFamily="18" charset="0"/>
+                            <a:cs typeface="Times New Roman" panose="02020603050405020304" pitchFamily="18" charset="0"/>
+                          </a:rPr>
+                        </m:ctrlPr>
+                      </m:sSubPr>
+                      <m:e>
+                        <m:r>
+                          <a:rPr lang="en-US" sz="2500" b="1" i="1">
+                            <a:latin typeface="Cambria Math" panose="02040503050406030204" pitchFamily="18" charset="0"/>
+                            <a:ea typeface="Times New Roman" panose="02020603050405020304" pitchFamily="18" charset="0"/>
+                            <a:cs typeface="Times New Roman" panose="02020603050405020304" pitchFamily="18" charset="0"/>
+                          </a:rPr>
+                          <m:t>𝒕</m:t>
+                        </m:r>
+                      </m:e>
+                      <m:sub>
+                        <m:r>
+                          <a:rPr lang="en-US" sz="2500" b="1" i="1">
+                            <a:latin typeface="Cambria Math" panose="02040503050406030204" pitchFamily="18" charset="0"/>
+                            <a:ea typeface="Times New Roman" panose="02020603050405020304" pitchFamily="18" charset="0"/>
+                            <a:cs typeface="Times New Roman" panose="02020603050405020304" pitchFamily="18" charset="0"/>
+                          </a:rPr>
+                          <m:t>𝟎</m:t>
+                        </m:r>
+                      </m:sub>
+                    </m:sSub>
+                    <m:r>
+                      <a:rPr lang="en-US" sz="2500">
+                        <a:latin typeface="Cambria Math" panose="02040503050406030204" pitchFamily="18" charset="0"/>
+                        <a:ea typeface="Times New Roman" panose="02020603050405020304" pitchFamily="18" charset="0"/>
+                        <a:cs typeface="Times New Roman" panose="02020603050405020304" pitchFamily="18" charset="0"/>
+                      </a:rPr>
+                      <m:t>…</m:t>
+                    </m:r>
+                    <m:sSub>
+                      <m:sSubPr>
+                        <m:ctrlPr>
+                          <a:rPr lang="en-US" sz="2500" i="1">
+                            <a:latin typeface="Cambria Math" panose="02040503050406030204" pitchFamily="18" charset="0"/>
+                            <a:ea typeface="Times New Roman" panose="02020603050405020304" pitchFamily="18" charset="0"/>
+                            <a:cs typeface="Times New Roman" panose="02020603050405020304" pitchFamily="18" charset="0"/>
+                          </a:rPr>
+                        </m:ctrlPr>
+                      </m:sSubPr>
+                      <m:e>
+                        <m:r>
+                          <a:rPr lang="en-US" sz="2500" b="1" i="1">
+                            <a:latin typeface="Cambria Math" panose="02040503050406030204" pitchFamily="18" charset="0"/>
+                            <a:ea typeface="Times New Roman" panose="02020603050405020304" pitchFamily="18" charset="0"/>
+                            <a:cs typeface="Times New Roman" panose="02020603050405020304" pitchFamily="18" charset="0"/>
+                          </a:rPr>
+                          <m:t>𝒕</m:t>
+                        </m:r>
+                      </m:e>
+                      <m:sub>
+                        <m:r>
+                          <a:rPr lang="en-US" sz="2500" b="1" i="1">
+                            <a:latin typeface="Cambria Math" panose="02040503050406030204" pitchFamily="18" charset="0"/>
+                            <a:ea typeface="Times New Roman" panose="02020603050405020304" pitchFamily="18" charset="0"/>
+                            <a:cs typeface="Times New Roman" panose="02020603050405020304" pitchFamily="18" charset="0"/>
+                          </a:rPr>
+                          <m:t>𝒌</m:t>
+                        </m:r>
+                      </m:sub>
+                    </m:sSub>
+                    <m:r>
+                      <a:rPr lang="en-US" sz="2500">
+                        <a:latin typeface="Cambria Math" panose="02040503050406030204" pitchFamily="18" charset="0"/>
+                        <a:ea typeface="Times New Roman" panose="02020603050405020304" pitchFamily="18" charset="0"/>
+                        <a:cs typeface="Times New Roman" panose="02020603050405020304" pitchFamily="18" charset="0"/>
+                      </a:rPr>
+                      <m:t>)</m:t>
+                    </m:r>
+                  </m:oMath>
+                </a14:m>
+                <a:r>
+                  <a:rPr lang="en-US" sz="2500">
+                    <a:latin typeface="Cambria" panose="02040503050406030204" pitchFamily="18" charset="0"/>
+                    <a:ea typeface="Times New Roman" panose="02020603050405020304" pitchFamily="18" charset="0"/>
+                    <a:cs typeface="Times New Roman" panose="02020603050405020304" pitchFamily="18" charset="0"/>
+                  </a:rPr>
+                  <a:t>: giá trị số lần xuất hiện lớn nhất của một trong toàn bộ ngữ liệu</a:t>
+                </a:r>
+                <a:endParaRPr lang="en-US" sz="2500">
+                  <a:latin typeface="Times New Roman" panose="02020603050405020304" pitchFamily="18" charset="0"/>
+                  <a:ea typeface="Times New Roman" panose="02020603050405020304" pitchFamily="18" charset="0"/>
+                </a:endParaRPr>
+              </a:p>
+            </p:txBody>
+          </p:sp>
+        </mc:Choice>
+        <mc:Fallback>
+          <p:sp>
+            <p:nvSpPr>
+              <p:cNvPr id="5" name="Rectangle 4">
+                <a:extLst>
+                  <a:ext uri="{FF2B5EF4-FFF2-40B4-BE49-F238E27FC236}">
+                    <a16:creationId xmlns:a16="http://schemas.microsoft.com/office/drawing/2014/main" id="{A3E3B090-606B-4083-B62C-99B146087966}"/>
+                  </a:ext>
+                </a:extLst>
+              </p:cNvPr>
+              <p:cNvSpPr>
+                <a:spLocks noRot="1" noChangeAspect="1" noMove="1" noResize="1" noEditPoints="1" noAdjustHandles="1" noChangeArrowheads="1" noChangeShapeType="1" noTextEdit="1"/>
+              </p:cNvSpPr>
+              <p:nvPr/>
+            </p:nvSpPr>
+            <p:spPr>
+              <a:xfrm>
+                <a:off x="376064" y="4298038"/>
+                <a:ext cx="8066895" cy="2331087"/>
+              </a:xfrm>
+              <a:prstGeom prst="rect">
+                <a:avLst/>
+              </a:prstGeom>
+              <a:blipFill>
+                <a:blip r:embed="rId4"/>
+                <a:stretch>
+                  <a:fillRect r="-1209" b="-5497"/>
+                </a:stretch>
+              </a:blipFill>
+            </p:spPr>
+            <p:txBody>
+              <a:bodyPr/>
+              <a:lstStyle/>
+              <a:p>
+                <a:r>
+                  <a:rPr lang="en-US">
+                    <a:noFill/>
+                  </a:rPr>
+                  <a:t> </a:t>
+                </a:r>
+              </a:p>
+            </p:txBody>
+          </p:sp>
+        </mc:Fallback>
+      </mc:AlternateContent>
     </p:spTree>
     <p:extLst>
       <p:ext uri="{BB962C8B-B14F-4D97-AF65-F5344CB8AC3E}">
@@ -8282,7 +8718,7 @@
 </p:sld>
 </file>
 
-<file path=ppt/slides/slide14.xml><?xml version="1.0" encoding="utf-8"?>
+<file path=ppt/slides/slide13.xml><?xml version="1.0" encoding="utf-8"?>
 <p:sld xmlns:a="http://schemas.openxmlformats.org/drawingml/2006/main" xmlns:r="http://schemas.openxmlformats.org/officeDocument/2006/relationships" xmlns:p="http://schemas.openxmlformats.org/presentationml/2006/main">
   <p:cSld>
     <p:spTree>
@@ -8427,7 +8863,7 @@
 </p:sld>
 </file>
 
-<file path=ppt/slides/slide15.xml><?xml version="1.0" encoding="utf-8"?>
+<file path=ppt/slides/slide14.xml><?xml version="1.0" encoding="utf-8"?>
 <p:sld xmlns:a="http://schemas.openxmlformats.org/drawingml/2006/main" xmlns:r="http://schemas.openxmlformats.org/officeDocument/2006/relationships" xmlns:p="http://schemas.openxmlformats.org/presentationml/2006/main">
   <p:cSld>
     <p:spTree>
@@ -8664,7 +9100,7 @@
 </p:sld>
 </file>
 
-<file path=ppt/slides/slide16.xml><?xml version="1.0" encoding="utf-8"?>
+<file path=ppt/slides/slide15.xml><?xml version="1.0" encoding="utf-8"?>
 <p:sld xmlns:a="http://schemas.openxmlformats.org/drawingml/2006/main" xmlns:r="http://schemas.openxmlformats.org/officeDocument/2006/relationships" xmlns:p="http://schemas.openxmlformats.org/presentationml/2006/main">
   <p:cSld>
     <p:spTree>
@@ -8857,7 +9293,7 @@
 </p:sld>
 </file>
 
-<file path=ppt/slides/slide17.xml><?xml version="1.0" encoding="utf-8"?>
+<file path=ppt/slides/slide16.xml><?xml version="1.0" encoding="utf-8"?>
 <p:sld xmlns:a="http://schemas.openxmlformats.org/drawingml/2006/main" xmlns:r="http://schemas.openxmlformats.org/officeDocument/2006/relationships" xmlns:p="http://schemas.openxmlformats.org/presentationml/2006/main">
   <p:cSld>
     <p:spTree>
@@ -8998,7 +9434,7 @@
 </p:sld>
 </file>
 
-<file path=ppt/slides/slide18.xml><?xml version="1.0" encoding="utf-8"?>
+<file path=ppt/slides/slide17.xml><?xml version="1.0" encoding="utf-8"?>
 <p:sld xmlns:a="http://schemas.openxmlformats.org/drawingml/2006/main" xmlns:r="http://schemas.openxmlformats.org/officeDocument/2006/relationships" xmlns:p="http://schemas.openxmlformats.org/presentationml/2006/main">
   <p:cSld>
     <p:spTree>
@@ -9140,7 +9576,7 @@
 </p:sld>
 </file>
 
-<file path=ppt/slides/slide19.xml><?xml version="1.0" encoding="utf-8"?>
+<file path=ppt/slides/slide18.xml><?xml version="1.0" encoding="utf-8"?>
 <p:sld xmlns:a="http://schemas.openxmlformats.org/drawingml/2006/main" xmlns:r="http://schemas.openxmlformats.org/officeDocument/2006/relationships" xmlns:p="http://schemas.openxmlformats.org/presentationml/2006/main">
   <p:cSld>
     <p:spTree>
@@ -9276,6 +9712,199 @@
     <p:extLst>
       <p:ext uri="{BB962C8B-B14F-4D97-AF65-F5344CB8AC3E}">
         <p14:creationId xmlns:p14="http://schemas.microsoft.com/office/powerpoint/2010/main" val="3441189750"/>
+      </p:ext>
+    </p:extLst>
+  </p:cSld>
+  <p:clrMapOvr>
+    <a:masterClrMapping/>
+  </p:clrMapOvr>
+</p:sld>
+</file>
+
+<file path=ppt/slides/slide19.xml><?xml version="1.0" encoding="utf-8"?>
+<p:sld xmlns:a="http://schemas.openxmlformats.org/drawingml/2006/main" xmlns:r="http://schemas.openxmlformats.org/officeDocument/2006/relationships" xmlns:p="http://schemas.openxmlformats.org/presentationml/2006/main">
+  <p:cSld>
+    <p:spTree>
+      <p:nvGrpSpPr>
+        <p:cNvPr id="1" name=""/>
+        <p:cNvGrpSpPr/>
+        <p:nvPr/>
+      </p:nvGrpSpPr>
+      <p:grpSpPr>
+        <a:xfrm>
+          <a:off x="0" y="0"/>
+          <a:ext cx="0" cy="0"/>
+          <a:chOff x="0" y="0"/>
+          <a:chExt cx="0" cy="0"/>
+        </a:xfrm>
+      </p:grpSpPr>
+      <p:sp>
+        <p:nvSpPr>
+          <p:cNvPr id="6" name="Rectangle 5">
+            <a:extLst>
+              <a:ext uri="{FF2B5EF4-FFF2-40B4-BE49-F238E27FC236}">
+                <a16:creationId xmlns:a16="http://schemas.microsoft.com/office/drawing/2014/main" id="{17C6F7C5-89FA-41D6-8871-21103278C78E}"/>
+              </a:ext>
+            </a:extLst>
+          </p:cNvPr>
+          <p:cNvSpPr/>
+          <p:nvPr/>
+        </p:nvSpPr>
+        <p:spPr>
+          <a:xfrm>
+            <a:off x="486698" y="395625"/>
+            <a:ext cx="3346748" cy="954107"/>
+          </a:xfrm>
+          <a:prstGeom prst="rect">
+            <a:avLst/>
+          </a:prstGeom>
+        </p:spPr>
+        <p:txBody>
+          <a:bodyPr wrap="square">
+            <a:spAutoFit/>
+          </a:bodyPr>
+          <a:lstStyle/>
+          <a:p>
+            <a:r>
+              <a:rPr lang="en-US" sz="2800">
+                <a:latin typeface="Cambria" panose="02040503050406030204" pitchFamily="18" charset="0"/>
+              </a:rPr>
+              <a:t>Giới</a:t>
+            </a:r>
+            <a:r>
+              <a:rPr lang="en-US" sz="2800">
+                <a:latin typeface="Cambria (Headings)"/>
+              </a:rPr>
+              <a:t> thiệu dịch vụ Facebook</a:t>
+            </a:r>
+          </a:p>
+        </p:txBody>
+      </p:sp>
+      <p:sp>
+        <p:nvSpPr>
+          <p:cNvPr id="11" name="Rectangle 10">
+            <a:extLst>
+              <a:ext uri="{FF2B5EF4-FFF2-40B4-BE49-F238E27FC236}">
+                <a16:creationId xmlns:a16="http://schemas.microsoft.com/office/drawing/2014/main" id="{22BB8E0E-9A23-4C1F-860F-3A7CBFE70289}"/>
+              </a:ext>
+            </a:extLst>
+          </p:cNvPr>
+          <p:cNvSpPr/>
+          <p:nvPr/>
+        </p:nvSpPr>
+        <p:spPr>
+          <a:xfrm>
+            <a:off x="486698" y="2736502"/>
+            <a:ext cx="4929364" cy="1384995"/>
+          </a:xfrm>
+          <a:prstGeom prst="rect">
+            <a:avLst/>
+          </a:prstGeom>
+        </p:spPr>
+        <p:txBody>
+          <a:bodyPr wrap="square">
+            <a:spAutoFit/>
+          </a:bodyPr>
+          <a:lstStyle/>
+          <a:p>
+            <a:pPr marL="457200" indent="-457200">
+              <a:buFont typeface="Arial" panose="020B0604020202020204" pitchFamily="34" charset="0"/>
+              <a:buChar char="•"/>
+            </a:pPr>
+            <a:r>
+              <a:rPr lang="en-US" sz="2800">
+                <a:latin typeface="Cambria" panose="02040503050406030204" pitchFamily="18" charset="0"/>
+              </a:rPr>
+              <a:t>Mạng xã hội</a:t>
+            </a:r>
+          </a:p>
+          <a:p>
+            <a:pPr marL="457200" indent="-457200">
+              <a:buFont typeface="Arial" panose="020B0604020202020204" pitchFamily="34" charset="0"/>
+              <a:buChar char="•"/>
+            </a:pPr>
+            <a:r>
+              <a:rPr lang="en-US" sz="2800">
+                <a:latin typeface="Cambria" panose="02040503050406030204" pitchFamily="18" charset="0"/>
+              </a:rPr>
+              <a:t>T</a:t>
+            </a:r>
+            <a:r>
+              <a:rPr lang="vi-VN" sz="2800">
+                <a:latin typeface="Cambria" panose="02040503050406030204" pitchFamily="18" charset="0"/>
+              </a:rPr>
+              <a:t>ư</a:t>
+            </a:r>
+            <a:r>
+              <a:rPr lang="en-US" sz="2800">
+                <a:latin typeface="Cambria" panose="02040503050406030204" pitchFamily="18" charset="0"/>
+              </a:rPr>
+              <a:t>ơng tác với ng</a:t>
+            </a:r>
+            <a:r>
+              <a:rPr lang="vi-VN" sz="2800">
+                <a:latin typeface="Cambria" panose="02040503050406030204" pitchFamily="18" charset="0"/>
+              </a:rPr>
+              <a:t>ư</a:t>
+            </a:r>
+            <a:r>
+              <a:rPr lang="en-US" sz="2800">
+                <a:latin typeface="Cambria" panose="02040503050406030204" pitchFamily="18" charset="0"/>
+              </a:rPr>
+              <a:t>ời dùng</a:t>
+            </a:r>
+          </a:p>
+          <a:p>
+            <a:pPr marL="457200" indent="-457200">
+              <a:buFont typeface="Arial" panose="020B0604020202020204" pitchFamily="34" charset="0"/>
+              <a:buChar char="•"/>
+            </a:pPr>
+            <a:r>
+              <a:rPr lang="en-US" sz="2800">
+                <a:latin typeface="Cambria" panose="02040503050406030204" pitchFamily="18" charset="0"/>
+              </a:rPr>
+              <a:t>Chat bot</a:t>
+            </a:r>
+            <a:endParaRPr lang="en-US" sz="2800">
+              <a:latin typeface="Cambria (Headings)"/>
+            </a:endParaRPr>
+          </a:p>
+        </p:txBody>
+      </p:sp>
+      <p:pic>
+        <p:nvPicPr>
+          <p:cNvPr id="4" name="Picture 3">
+            <a:extLst>
+              <a:ext uri="{FF2B5EF4-FFF2-40B4-BE49-F238E27FC236}">
+                <a16:creationId xmlns:a16="http://schemas.microsoft.com/office/drawing/2014/main" id="{A172923B-87E2-40BA-AA85-82F9C9A1625D}"/>
+              </a:ext>
+            </a:extLst>
+          </p:cNvPr>
+          <p:cNvPicPr>
+            <a:picLocks noChangeAspect="1"/>
+          </p:cNvPicPr>
+          <p:nvPr/>
+        </p:nvPicPr>
+        <p:blipFill>
+          <a:blip r:embed="rId3"/>
+          <a:stretch>
+            <a:fillRect/>
+          </a:stretch>
+        </p:blipFill>
+        <p:spPr>
+          <a:xfrm>
+            <a:off x="5744379" y="-1"/>
+            <a:ext cx="3399621" cy="6858000"/>
+          </a:xfrm>
+          <a:prstGeom prst="rect">
+            <a:avLst/>
+          </a:prstGeom>
+        </p:spPr>
+      </p:pic>
+    </p:spTree>
+    <p:extLst>
+      <p:ext uri="{BB962C8B-B14F-4D97-AF65-F5344CB8AC3E}">
+        <p14:creationId xmlns:p14="http://schemas.microsoft.com/office/powerpoint/2010/main" val="142293154"/>
       </p:ext>
     </p:extLst>
   </p:cSld>
@@ -9546,199 +10175,6 @@
 </file>
 
 <file path=ppt/slides/slide20.xml><?xml version="1.0" encoding="utf-8"?>
-<p:sld xmlns:a="http://schemas.openxmlformats.org/drawingml/2006/main" xmlns:r="http://schemas.openxmlformats.org/officeDocument/2006/relationships" xmlns:p="http://schemas.openxmlformats.org/presentationml/2006/main">
-  <p:cSld>
-    <p:spTree>
-      <p:nvGrpSpPr>
-        <p:cNvPr id="1" name=""/>
-        <p:cNvGrpSpPr/>
-        <p:nvPr/>
-      </p:nvGrpSpPr>
-      <p:grpSpPr>
-        <a:xfrm>
-          <a:off x="0" y="0"/>
-          <a:ext cx="0" cy="0"/>
-          <a:chOff x="0" y="0"/>
-          <a:chExt cx="0" cy="0"/>
-        </a:xfrm>
-      </p:grpSpPr>
-      <p:sp>
-        <p:nvSpPr>
-          <p:cNvPr id="6" name="Rectangle 5">
-            <a:extLst>
-              <a:ext uri="{FF2B5EF4-FFF2-40B4-BE49-F238E27FC236}">
-                <a16:creationId xmlns:a16="http://schemas.microsoft.com/office/drawing/2014/main" id="{17C6F7C5-89FA-41D6-8871-21103278C78E}"/>
-              </a:ext>
-            </a:extLst>
-          </p:cNvPr>
-          <p:cNvSpPr/>
-          <p:nvPr/>
-        </p:nvSpPr>
-        <p:spPr>
-          <a:xfrm>
-            <a:off x="486698" y="395625"/>
-            <a:ext cx="3346748" cy="954107"/>
-          </a:xfrm>
-          <a:prstGeom prst="rect">
-            <a:avLst/>
-          </a:prstGeom>
-        </p:spPr>
-        <p:txBody>
-          <a:bodyPr wrap="square">
-            <a:spAutoFit/>
-          </a:bodyPr>
-          <a:lstStyle/>
-          <a:p>
-            <a:r>
-              <a:rPr lang="en-US" sz="2800">
-                <a:latin typeface="Cambria" panose="02040503050406030204" pitchFamily="18" charset="0"/>
-              </a:rPr>
-              <a:t>Giới</a:t>
-            </a:r>
-            <a:r>
-              <a:rPr lang="en-US" sz="2800">
-                <a:latin typeface="Cambria (Headings)"/>
-              </a:rPr>
-              <a:t> thiệu dịch vụ Facebook</a:t>
-            </a:r>
-          </a:p>
-        </p:txBody>
-      </p:sp>
-      <p:sp>
-        <p:nvSpPr>
-          <p:cNvPr id="11" name="Rectangle 10">
-            <a:extLst>
-              <a:ext uri="{FF2B5EF4-FFF2-40B4-BE49-F238E27FC236}">
-                <a16:creationId xmlns:a16="http://schemas.microsoft.com/office/drawing/2014/main" id="{22BB8E0E-9A23-4C1F-860F-3A7CBFE70289}"/>
-              </a:ext>
-            </a:extLst>
-          </p:cNvPr>
-          <p:cNvSpPr/>
-          <p:nvPr/>
-        </p:nvSpPr>
-        <p:spPr>
-          <a:xfrm>
-            <a:off x="486698" y="2736502"/>
-            <a:ext cx="4929364" cy="1384995"/>
-          </a:xfrm>
-          <a:prstGeom prst="rect">
-            <a:avLst/>
-          </a:prstGeom>
-        </p:spPr>
-        <p:txBody>
-          <a:bodyPr wrap="square">
-            <a:spAutoFit/>
-          </a:bodyPr>
-          <a:lstStyle/>
-          <a:p>
-            <a:pPr marL="457200" indent="-457200">
-              <a:buFont typeface="Arial" panose="020B0604020202020204" pitchFamily="34" charset="0"/>
-              <a:buChar char="•"/>
-            </a:pPr>
-            <a:r>
-              <a:rPr lang="en-US" sz="2800">
-                <a:latin typeface="Cambria" panose="02040503050406030204" pitchFamily="18" charset="0"/>
-              </a:rPr>
-              <a:t>Mạng xã hội</a:t>
-            </a:r>
-          </a:p>
-          <a:p>
-            <a:pPr marL="457200" indent="-457200">
-              <a:buFont typeface="Arial" panose="020B0604020202020204" pitchFamily="34" charset="0"/>
-              <a:buChar char="•"/>
-            </a:pPr>
-            <a:r>
-              <a:rPr lang="en-US" sz="2800">
-                <a:latin typeface="Cambria" panose="02040503050406030204" pitchFamily="18" charset="0"/>
-              </a:rPr>
-              <a:t>T</a:t>
-            </a:r>
-            <a:r>
-              <a:rPr lang="vi-VN" sz="2800">
-                <a:latin typeface="Cambria" panose="02040503050406030204" pitchFamily="18" charset="0"/>
-              </a:rPr>
-              <a:t>ư</a:t>
-            </a:r>
-            <a:r>
-              <a:rPr lang="en-US" sz="2800">
-                <a:latin typeface="Cambria" panose="02040503050406030204" pitchFamily="18" charset="0"/>
-              </a:rPr>
-              <a:t>ơng tác với ng</a:t>
-            </a:r>
-            <a:r>
-              <a:rPr lang="vi-VN" sz="2800">
-                <a:latin typeface="Cambria" panose="02040503050406030204" pitchFamily="18" charset="0"/>
-              </a:rPr>
-              <a:t>ư</a:t>
-            </a:r>
-            <a:r>
-              <a:rPr lang="en-US" sz="2800">
-                <a:latin typeface="Cambria" panose="02040503050406030204" pitchFamily="18" charset="0"/>
-              </a:rPr>
-              <a:t>ời dung</a:t>
-            </a:r>
-          </a:p>
-          <a:p>
-            <a:pPr marL="457200" indent="-457200">
-              <a:buFont typeface="Arial" panose="020B0604020202020204" pitchFamily="34" charset="0"/>
-              <a:buChar char="•"/>
-            </a:pPr>
-            <a:r>
-              <a:rPr lang="en-US" sz="2800">
-                <a:latin typeface="Cambria" panose="02040503050406030204" pitchFamily="18" charset="0"/>
-              </a:rPr>
-              <a:t>Chat bot</a:t>
-            </a:r>
-            <a:endParaRPr lang="en-US" sz="2800">
-              <a:latin typeface="Cambria (Headings)"/>
-            </a:endParaRPr>
-          </a:p>
-        </p:txBody>
-      </p:sp>
-      <p:pic>
-        <p:nvPicPr>
-          <p:cNvPr id="4" name="Picture 3">
-            <a:extLst>
-              <a:ext uri="{FF2B5EF4-FFF2-40B4-BE49-F238E27FC236}">
-                <a16:creationId xmlns:a16="http://schemas.microsoft.com/office/drawing/2014/main" id="{A172923B-87E2-40BA-AA85-82F9C9A1625D}"/>
-              </a:ext>
-            </a:extLst>
-          </p:cNvPr>
-          <p:cNvPicPr>
-            <a:picLocks noChangeAspect="1"/>
-          </p:cNvPicPr>
-          <p:nvPr/>
-        </p:nvPicPr>
-        <p:blipFill>
-          <a:blip r:embed="rId3"/>
-          <a:stretch>
-            <a:fillRect/>
-          </a:stretch>
-        </p:blipFill>
-        <p:spPr>
-          <a:xfrm>
-            <a:off x="5744379" y="-1"/>
-            <a:ext cx="3399621" cy="6858000"/>
-          </a:xfrm>
-          <a:prstGeom prst="rect">
-            <a:avLst/>
-          </a:prstGeom>
-        </p:spPr>
-      </p:pic>
-    </p:spTree>
-    <p:extLst>
-      <p:ext uri="{BB962C8B-B14F-4D97-AF65-F5344CB8AC3E}">
-        <p14:creationId xmlns:p14="http://schemas.microsoft.com/office/powerpoint/2010/main" val="142293154"/>
-      </p:ext>
-    </p:extLst>
-  </p:cSld>
-  <p:clrMapOvr>
-    <a:masterClrMapping/>
-  </p:clrMapOvr>
-</p:sld>
-</file>
-
-<file path=ppt/slides/slide21.xml><?xml version="1.0" encoding="utf-8"?>
 <p:sld xmlns:a="http://schemas.openxmlformats.org/drawingml/2006/main" xmlns:r="http://schemas.openxmlformats.org/officeDocument/2006/relationships" xmlns:p="http://schemas.openxmlformats.org/presentationml/2006/main">
   <p:cSld>
     <p:spTree>
@@ -9870,7 +10306,7 @@
 </p:sld>
 </file>
 
-<file path=ppt/slides/slide22.xml><?xml version="1.0" encoding="utf-8"?>
+<file path=ppt/slides/slide21.xml><?xml version="1.0" encoding="utf-8"?>
 <p:sld xmlns:a="http://schemas.openxmlformats.org/drawingml/2006/main" xmlns:r="http://schemas.openxmlformats.org/officeDocument/2006/relationships" xmlns:p="http://schemas.openxmlformats.org/presentationml/2006/main">
   <p:cSld>
     <p:spTree>
@@ -9998,7 +10434,7 @@
 </p:sld>
 </file>
 
-<file path=ppt/slides/slide23.xml><?xml version="1.0" encoding="utf-8"?>
+<file path=ppt/slides/slide22.xml><?xml version="1.0" encoding="utf-8"?>
 <p:sld xmlns:a="http://schemas.openxmlformats.org/drawingml/2006/main" xmlns:r="http://schemas.openxmlformats.org/officeDocument/2006/relationships" xmlns:p="http://schemas.openxmlformats.org/presentationml/2006/main">
   <p:cSld>
     <p:spTree>
@@ -10115,7 +10551,7 @@
 </p:sld>
 </file>
 
-<file path=ppt/slides/slide24.xml><?xml version="1.0" encoding="utf-8"?>
+<file path=ppt/slides/slide23.xml><?xml version="1.0" encoding="utf-8"?>
 <p:sld xmlns:a="http://schemas.openxmlformats.org/drawingml/2006/main" xmlns:r="http://schemas.openxmlformats.org/officeDocument/2006/relationships" xmlns:p="http://schemas.openxmlformats.org/presentationml/2006/main">
   <p:cSld>
     <p:spTree>
@@ -10247,7 +10683,7 @@
 </p:sld>
 </file>
 
-<file path=ppt/slides/slide25.xml><?xml version="1.0" encoding="utf-8"?>
+<file path=ppt/slides/slide24.xml><?xml version="1.0" encoding="utf-8"?>
 <p:sld xmlns:a="http://schemas.openxmlformats.org/drawingml/2006/main" xmlns:r="http://schemas.openxmlformats.org/officeDocument/2006/relationships" xmlns:p="http://schemas.openxmlformats.org/presentationml/2006/main">
   <p:cSld>
     <p:spTree>
@@ -10374,7 +10810,7 @@
 </p:sld>
 </file>
 
-<file path=ppt/slides/slide26.xml><?xml version="1.0" encoding="utf-8"?>
+<file path=ppt/slides/slide25.xml><?xml version="1.0" encoding="utf-8"?>
 <p:sld xmlns:a="http://schemas.openxmlformats.org/drawingml/2006/main" xmlns:r="http://schemas.openxmlformats.org/officeDocument/2006/relationships" xmlns:p="http://schemas.openxmlformats.org/presentationml/2006/main">
   <p:cSld>
     <p:spTree>
@@ -10501,7 +10937,7 @@
 </p:sld>
 </file>
 
-<file path=ppt/slides/slide27.xml><?xml version="1.0" encoding="utf-8"?>
+<file path=ppt/slides/slide26.xml><?xml version="1.0" encoding="utf-8"?>
 <p:sld xmlns:a="http://schemas.openxmlformats.org/drawingml/2006/main" xmlns:r="http://schemas.openxmlformats.org/officeDocument/2006/relationships" xmlns:p="http://schemas.openxmlformats.org/presentationml/2006/main">
   <p:cSld>
     <p:spTree>
@@ -10619,6 +11055,133 @@
     <p:extLst>
       <p:ext uri="{BB962C8B-B14F-4D97-AF65-F5344CB8AC3E}">
         <p14:creationId xmlns:p14="http://schemas.microsoft.com/office/powerpoint/2010/main" val="2956038322"/>
+      </p:ext>
+    </p:extLst>
+  </p:cSld>
+  <p:clrMapOvr>
+    <a:masterClrMapping/>
+  </p:clrMapOvr>
+</p:sld>
+</file>
+
+<file path=ppt/slides/slide27.xml><?xml version="1.0" encoding="utf-8"?>
+<p:sld xmlns:a="http://schemas.openxmlformats.org/drawingml/2006/main" xmlns:r="http://schemas.openxmlformats.org/officeDocument/2006/relationships" xmlns:p="http://schemas.openxmlformats.org/presentationml/2006/main">
+  <p:cSld>
+    <p:spTree>
+      <p:nvGrpSpPr>
+        <p:cNvPr id="1" name=""/>
+        <p:cNvGrpSpPr/>
+        <p:nvPr/>
+      </p:nvGrpSpPr>
+      <p:grpSpPr>
+        <a:xfrm>
+          <a:off x="0" y="0"/>
+          <a:ext cx="0" cy="0"/>
+          <a:chOff x="0" y="0"/>
+          <a:chExt cx="0" cy="0"/>
+        </a:xfrm>
+      </p:grpSpPr>
+      <p:sp>
+        <p:nvSpPr>
+          <p:cNvPr id="2" name="Title 1">
+            <a:extLst>
+              <a:ext uri="{FF2B5EF4-FFF2-40B4-BE49-F238E27FC236}">
+                <a16:creationId xmlns:a16="http://schemas.microsoft.com/office/drawing/2014/main" id="{535FAEE3-9CBF-43F6-BC47-9F5520D6BB61}"/>
+              </a:ext>
+            </a:extLst>
+          </p:cNvPr>
+          <p:cNvSpPr>
+            <a:spLocks noGrp="1"/>
+          </p:cNvSpPr>
+          <p:nvPr>
+            <p:ph type="title"/>
+          </p:nvPr>
+        </p:nvSpPr>
+        <p:spPr>
+          <a:xfrm>
+            <a:off x="486697" y="629267"/>
+            <a:ext cx="3761223" cy="1676603"/>
+          </a:xfrm>
+        </p:spPr>
+        <p:txBody>
+          <a:bodyPr>
+            <a:normAutofit fontScale="90000"/>
+          </a:bodyPr>
+          <a:lstStyle/>
+          <a:p>
+            <a:r>
+              <a:rPr lang="en-US">
+                <a:latin typeface="Cambria (Headings)"/>
+              </a:rPr>
+              <a:t>KẾT QUẢ KHẢO SÁT ĐỘ CHÍNH XÁC</a:t>
+            </a:r>
+          </a:p>
+        </p:txBody>
+      </p:sp>
+      <p:pic>
+        <p:nvPicPr>
+          <p:cNvPr id="3" name="Picture 2">
+            <a:extLst>
+              <a:ext uri="{FF2B5EF4-FFF2-40B4-BE49-F238E27FC236}">
+                <a16:creationId xmlns:a16="http://schemas.microsoft.com/office/drawing/2014/main" id="{8AFFF3EB-028C-4E37-8FF0-F0DC8D26C7FF}"/>
+              </a:ext>
+            </a:extLst>
+          </p:cNvPr>
+          <p:cNvPicPr>
+            <a:picLocks noChangeAspect="1"/>
+          </p:cNvPicPr>
+          <p:nvPr/>
+        </p:nvPicPr>
+        <p:blipFill>
+          <a:blip r:embed="rId3"/>
+          <a:stretch>
+            <a:fillRect/>
+          </a:stretch>
+        </p:blipFill>
+        <p:spPr>
+          <a:xfrm>
+            <a:off x="4390044" y="722801"/>
+            <a:ext cx="4563456" cy="941876"/>
+          </a:xfrm>
+          <a:prstGeom prst="rect">
+            <a:avLst/>
+          </a:prstGeom>
+        </p:spPr>
+      </p:pic>
+      <p:pic>
+        <p:nvPicPr>
+          <p:cNvPr id="5" name="Picture 4">
+            <a:extLst>
+              <a:ext uri="{FF2B5EF4-FFF2-40B4-BE49-F238E27FC236}">
+                <a16:creationId xmlns:a16="http://schemas.microsoft.com/office/drawing/2014/main" id="{E52B87F3-8EC1-4AA0-958A-AA28B8719FD4}"/>
+              </a:ext>
+            </a:extLst>
+          </p:cNvPr>
+          <p:cNvPicPr>
+            <a:picLocks noChangeAspect="1"/>
+          </p:cNvPicPr>
+          <p:nvPr/>
+        </p:nvPicPr>
+        <p:blipFill>
+          <a:blip r:embed="rId4"/>
+          <a:stretch>
+            <a:fillRect/>
+          </a:stretch>
+        </p:blipFill>
+        <p:spPr>
+          <a:xfrm>
+            <a:off x="486697" y="2448201"/>
+            <a:ext cx="8497459" cy="4192295"/>
+          </a:xfrm>
+          <a:prstGeom prst="rect">
+            <a:avLst/>
+          </a:prstGeom>
+        </p:spPr>
+      </p:pic>
+    </p:spTree>
+    <p:extLst>
+      <p:ext uri="{BB962C8B-B14F-4D97-AF65-F5344CB8AC3E}">
+        <p14:creationId xmlns:p14="http://schemas.microsoft.com/office/powerpoint/2010/main" val="2761530332"/>
       </p:ext>
     </p:extLst>
   </p:cSld>
@@ -11026,462 +11589,6 @@
 </file>
 
 <file path=ppt/slides/slide3.xml><?xml version="1.0" encoding="utf-8"?>
-<p:sld xmlns:a="http://schemas.openxmlformats.org/drawingml/2006/main" xmlns:r="http://schemas.openxmlformats.org/officeDocument/2006/relationships" xmlns:p="http://schemas.openxmlformats.org/presentationml/2006/main">
-  <p:cSld>
-    <p:spTree>
-      <p:nvGrpSpPr>
-        <p:cNvPr id="1" name=""/>
-        <p:cNvGrpSpPr/>
-        <p:nvPr/>
-      </p:nvGrpSpPr>
-      <p:grpSpPr>
-        <a:xfrm>
-          <a:off x="0" y="0"/>
-          <a:ext cx="0" cy="0"/>
-          <a:chOff x="0" y="0"/>
-          <a:chExt cx="0" cy="0"/>
-        </a:xfrm>
-      </p:grpSpPr>
-      <p:sp>
-        <p:nvSpPr>
-          <p:cNvPr id="2" name="Title 1">
-            <a:extLst>
-              <a:ext uri="{FF2B5EF4-FFF2-40B4-BE49-F238E27FC236}">
-                <a16:creationId xmlns:a16="http://schemas.microsoft.com/office/drawing/2014/main" id="{535FAEE3-9CBF-43F6-BC47-9F5520D6BB61}"/>
-              </a:ext>
-            </a:extLst>
-          </p:cNvPr>
-          <p:cNvSpPr>
-            <a:spLocks noGrp="1"/>
-          </p:cNvSpPr>
-          <p:nvPr>
-            <p:ph type="title"/>
-          </p:nvPr>
-        </p:nvSpPr>
-        <p:spPr>
-          <a:xfrm>
-            <a:off x="486697" y="629267"/>
-            <a:ext cx="2672555" cy="1676603"/>
-          </a:xfrm>
-        </p:spPr>
-        <p:txBody>
-          <a:bodyPr>
-            <a:normAutofit/>
-          </a:bodyPr>
-          <a:lstStyle/>
-          <a:p>
-            <a:pPr algn="ctr"/>
-            <a:r>
-              <a:rPr lang="en-US" sz="3600">
-                <a:latin typeface="Cambria (Headings)"/>
-              </a:rPr>
-              <a:t>GIỚI THIỆU</a:t>
-            </a:r>
-          </a:p>
-        </p:txBody>
-      </p:sp>
-      <p:sp>
-        <p:nvSpPr>
-          <p:cNvPr id="7" name="TextBox 6">
-            <a:extLst>
-              <a:ext uri="{FF2B5EF4-FFF2-40B4-BE49-F238E27FC236}">
-                <a16:creationId xmlns:a16="http://schemas.microsoft.com/office/drawing/2014/main" id="{7D53D676-8861-465F-8C2A-91F32B707C84}"/>
-              </a:ext>
-            </a:extLst>
-          </p:cNvPr>
-          <p:cNvSpPr txBox="1"/>
-          <p:nvPr/>
-        </p:nvSpPr>
-        <p:spPr>
-          <a:xfrm>
-            <a:off x="486696" y="1907285"/>
-            <a:ext cx="2672555" cy="4247317"/>
-          </a:xfrm>
-          <a:prstGeom prst="rect">
-            <a:avLst/>
-          </a:prstGeom>
-          <a:noFill/>
-        </p:spPr>
-        <p:txBody>
-          <a:bodyPr wrap="square" rtlCol="0">
-            <a:spAutoFit/>
-          </a:bodyPr>
-          <a:lstStyle/>
-          <a:p>
-            <a:pPr algn="ctr"/>
-            <a:r>
-              <a:rPr lang="en-US" sz="5400">
-                <a:latin typeface="+mj-lt"/>
-              </a:rPr>
-              <a:t>Chatbot giải tiếng Anh tự động</a:t>
-            </a:r>
-          </a:p>
-        </p:txBody>
-      </p:sp>
-      <p:pic>
-        <p:nvPicPr>
-          <p:cNvPr id="8" name="Picture 6" descr="Kết quả hình ảnh cho learning english">
-            <a:extLst>
-              <a:ext uri="{FF2B5EF4-FFF2-40B4-BE49-F238E27FC236}">
-                <a16:creationId xmlns:a16="http://schemas.microsoft.com/office/drawing/2014/main" id="{9A73820F-3ED1-4B76-9F19-194DA7D4DBB4}"/>
-              </a:ext>
-            </a:extLst>
-          </p:cNvPr>
-          <p:cNvPicPr>
-            <a:picLocks noChangeAspect="1" noChangeArrowheads="1"/>
-          </p:cNvPicPr>
-          <p:nvPr/>
-        </p:nvPicPr>
-        <p:blipFill rotWithShape="1">
-          <a:blip r:embed="rId3">
-            <a:extLst>
-              <a:ext uri="{28A0092B-C50C-407E-A947-70E740481C1C}">
-                <a14:useLocalDpi xmlns:a14="http://schemas.microsoft.com/office/drawing/2010/main" val="0"/>
-              </a:ext>
-            </a:extLst>
-          </a:blip>
-          <a:srcRect l="15342" r="42094"/>
-          <a:stretch/>
-        </p:blipFill>
-        <p:spPr bwMode="auto">
-          <a:xfrm>
-            <a:off x="3575538" y="0"/>
-            <a:ext cx="5568462" cy="6858000"/>
-          </a:xfrm>
-          <a:prstGeom prst="rect">
-            <a:avLst/>
-          </a:prstGeom>
-          <a:noFill/>
-          <a:extLst>
-            <a:ext uri="{909E8E84-426E-40DD-AFC4-6F175D3DCCD1}">
-              <a14:hiddenFill xmlns:a14="http://schemas.microsoft.com/office/drawing/2010/main">
-                <a:solidFill>
-                  <a:srgbClr val="FFFFFF"/>
-                </a:solidFill>
-              </a14:hiddenFill>
-            </a:ext>
-          </a:extLst>
-        </p:spPr>
-      </p:pic>
-    </p:spTree>
-    <p:extLst>
-      <p:ext uri="{BB962C8B-B14F-4D97-AF65-F5344CB8AC3E}">
-        <p14:creationId xmlns:p14="http://schemas.microsoft.com/office/powerpoint/2010/main" val="1689501417"/>
-      </p:ext>
-    </p:extLst>
-  </p:cSld>
-  <p:clrMapOvr>
-    <a:masterClrMapping/>
-  </p:clrMapOvr>
-  <p:timing>
-    <p:tnLst>
-      <p:par>
-        <p:cTn id="1" dur="indefinite" restart="never" nodeType="tmRoot">
-          <p:childTnLst>
-            <p:seq concurrent="1" nextAc="seek">
-              <p:cTn id="2" dur="indefinite" nodeType="mainSeq">
-                <p:childTnLst>
-                  <p:par>
-                    <p:cTn id="3" fill="hold">
-                      <p:stCondLst>
-                        <p:cond delay="indefinite"/>
-                      </p:stCondLst>
-                      <p:childTnLst>
-                        <p:par>
-                          <p:cTn id="4" fill="hold">
-                            <p:stCondLst>
-                              <p:cond delay="0"/>
-                            </p:stCondLst>
-                            <p:childTnLst>
-                              <p:par>
-                                <p:cTn id="5" presetID="10" presetClass="entr" presetSubtype="0" fill="hold" grpId="0" nodeType="clickEffect">
-                                  <p:stCondLst>
-                                    <p:cond delay="0"/>
-                                  </p:stCondLst>
-                                  <p:childTnLst>
-                                    <p:set>
-                                      <p:cBhvr>
-                                        <p:cTn id="6" dur="1" fill="hold">
-                                          <p:stCondLst>
-                                            <p:cond delay="0"/>
-                                          </p:stCondLst>
-                                        </p:cTn>
-                                        <p:tgtEl>
-                                          <p:spTgt spid="7"/>
-                                        </p:tgtEl>
-                                        <p:attrNameLst>
-                                          <p:attrName>style.visibility</p:attrName>
-                                        </p:attrNameLst>
-                                      </p:cBhvr>
-                                      <p:to>
-                                        <p:strVal val="visible"/>
-                                      </p:to>
-                                    </p:set>
-                                    <p:animEffect transition="in" filter="fade">
-                                      <p:cBhvr>
-                                        <p:cTn id="7" dur="500"/>
-                                        <p:tgtEl>
-                                          <p:spTgt spid="7"/>
-                                        </p:tgtEl>
-                                      </p:cBhvr>
-                                    </p:animEffect>
-                                  </p:childTnLst>
-                                </p:cTn>
-                              </p:par>
-                            </p:childTnLst>
-                          </p:cTn>
-                        </p:par>
-                      </p:childTnLst>
-                    </p:cTn>
-                  </p:par>
-                </p:childTnLst>
-              </p:cTn>
-              <p:prevCondLst>
-                <p:cond evt="onPrev" delay="0">
-                  <p:tgtEl>
-                    <p:sldTgt/>
-                  </p:tgtEl>
-                </p:cond>
-              </p:prevCondLst>
-              <p:nextCondLst>
-                <p:cond evt="onNext" delay="0">
-                  <p:tgtEl>
-                    <p:sldTgt/>
-                  </p:tgtEl>
-                </p:cond>
-              </p:nextCondLst>
-            </p:seq>
-          </p:childTnLst>
-        </p:cTn>
-      </p:par>
-    </p:tnLst>
-    <p:bldLst>
-      <p:bldP spid="7" grpId="0"/>
-    </p:bldLst>
-  </p:timing>
-</p:sld>
-</file>
-
-<file path=ppt/slides/slide30.xml><?xml version="1.0" encoding="utf-8"?>
-<p:sld xmlns:a="http://schemas.openxmlformats.org/drawingml/2006/main" xmlns:r="http://schemas.openxmlformats.org/officeDocument/2006/relationships" xmlns:p="http://schemas.openxmlformats.org/presentationml/2006/main">
-  <p:cSld>
-    <p:spTree>
-      <p:nvGrpSpPr>
-        <p:cNvPr id="1" name=""/>
-        <p:cNvGrpSpPr/>
-        <p:nvPr/>
-      </p:nvGrpSpPr>
-      <p:grpSpPr>
-        <a:xfrm>
-          <a:off x="0" y="0"/>
-          <a:ext cx="0" cy="0"/>
-          <a:chOff x="0" y="0"/>
-          <a:chExt cx="0" cy="0"/>
-        </a:xfrm>
-      </p:grpSpPr>
-      <p:pic>
-        <p:nvPicPr>
-          <p:cNvPr id="5122" name="Picture 2" descr="Warren photographic">
-            <a:extLst>
-              <a:ext uri="{FF2B5EF4-FFF2-40B4-BE49-F238E27FC236}">
-                <a16:creationId xmlns:a16="http://schemas.microsoft.com/office/drawing/2014/main" id="{D0F29EE3-E412-4AB5-91B6-291BF804C404}"/>
-              </a:ext>
-            </a:extLst>
-          </p:cNvPr>
-          <p:cNvPicPr>
-            <a:picLocks noChangeAspect="1" noChangeArrowheads="1"/>
-          </p:cNvPicPr>
-          <p:nvPr/>
-        </p:nvPicPr>
-        <p:blipFill rotWithShape="1">
-          <a:blip r:embed="rId3">
-            <a:extLst>
-              <a:ext uri="{28A0092B-C50C-407E-A947-70E740481C1C}">
-                <a14:useLocalDpi xmlns:a14="http://schemas.microsoft.com/office/drawing/2010/main" val="0"/>
-              </a:ext>
-            </a:extLst>
-          </a:blip>
-          <a:srcRect l="16440" r="42557" b="5469"/>
-          <a:stretch/>
-        </p:blipFill>
-        <p:spPr bwMode="auto">
-          <a:xfrm>
-            <a:off x="4687606" y="0"/>
-            <a:ext cx="4456400" cy="6858000"/>
-          </a:xfrm>
-          <a:prstGeom prst="rect">
-            <a:avLst/>
-          </a:prstGeom>
-          <a:noFill/>
-          <a:effectLst/>
-          <a:extLst>
-            <a:ext uri="{909E8E84-426E-40DD-AFC4-6F175D3DCCD1}">
-              <a14:hiddenFill xmlns:a14="http://schemas.microsoft.com/office/drawing/2010/main">
-                <a:solidFill>
-                  <a:srgbClr val="FFFFFF"/>
-                </a:solidFill>
-              </a14:hiddenFill>
-            </a:ext>
-          </a:extLst>
-        </p:spPr>
-      </p:pic>
-      <p:sp>
-        <p:nvSpPr>
-          <p:cNvPr id="2" name="Title 1">
-            <a:extLst>
-              <a:ext uri="{FF2B5EF4-FFF2-40B4-BE49-F238E27FC236}">
-                <a16:creationId xmlns:a16="http://schemas.microsoft.com/office/drawing/2014/main" id="{535FAEE3-9CBF-43F6-BC47-9F5520D6BB61}"/>
-              </a:ext>
-            </a:extLst>
-          </p:cNvPr>
-          <p:cNvSpPr>
-            <a:spLocks noGrp="1"/>
-          </p:cNvSpPr>
-          <p:nvPr>
-            <p:ph type="title"/>
-          </p:nvPr>
-        </p:nvSpPr>
-        <p:spPr>
-          <a:xfrm>
-            <a:off x="486697" y="629267"/>
-            <a:ext cx="3761223" cy="1676603"/>
-          </a:xfrm>
-        </p:spPr>
-        <p:txBody>
-          <a:bodyPr>
-            <a:normAutofit/>
-          </a:bodyPr>
-          <a:lstStyle/>
-          <a:p>
-            <a:pPr algn="ctr"/>
-            <a:r>
-              <a:rPr lang="en-US">
-                <a:latin typeface="Cambria (Headings)"/>
-              </a:rPr>
-              <a:t>HẾT</a:t>
-            </a:r>
-          </a:p>
-        </p:txBody>
-      </p:sp>
-      <p:sp>
-        <p:nvSpPr>
-          <p:cNvPr id="7" name="TextBox 6">
-            <a:extLst>
-              <a:ext uri="{FF2B5EF4-FFF2-40B4-BE49-F238E27FC236}">
-                <a16:creationId xmlns:a16="http://schemas.microsoft.com/office/drawing/2014/main" id="{7D53D676-8861-465F-8C2A-91F32B707C84}"/>
-              </a:ext>
-            </a:extLst>
-          </p:cNvPr>
-          <p:cNvSpPr txBox="1"/>
-          <p:nvPr/>
-        </p:nvSpPr>
-        <p:spPr>
-          <a:xfrm>
-            <a:off x="486698" y="2438401"/>
-            <a:ext cx="3761222" cy="3785419"/>
-          </a:xfrm>
-          <a:prstGeom prst="rect">
-            <a:avLst/>
-          </a:prstGeom>
-        </p:spPr>
-        <p:txBody>
-          <a:bodyPr rtlCol="0">
-            <a:normAutofit/>
-          </a:bodyPr>
-          <a:lstStyle/>
-          <a:p>
-            <a:pPr algn="ctr"/>
-            <a:r>
-              <a:rPr lang="en-US" sz="2800">
-                <a:latin typeface="Cambria" panose="02040503050406030204" pitchFamily="18" charset="0"/>
-              </a:rPr>
-              <a:t>CẢM </a:t>
-            </a:r>
-            <a:r>
-              <a:rPr lang="vi-VN" sz="2800">
-                <a:latin typeface="Cambria" panose="02040503050406030204" pitchFamily="18" charset="0"/>
-              </a:rPr>
-              <a:t>Ơ</a:t>
-            </a:r>
-            <a:r>
-              <a:rPr lang="en-US" sz="2800">
-                <a:latin typeface="Cambria" panose="02040503050406030204" pitchFamily="18" charset="0"/>
-              </a:rPr>
-              <a:t>N THẦY CÔ VÀ CÁC BẠN ĐÃ LẮNG NGHE</a:t>
-            </a:r>
-            <a:endParaRPr lang="en-US" sz="2800">
-              <a:latin typeface="Cambria (Headings)"/>
-            </a:endParaRPr>
-          </a:p>
-        </p:txBody>
-      </p:sp>
-      <p:sp>
-        <p:nvSpPr>
-          <p:cNvPr id="3" name="TextBox 2">
-            <a:extLst>
-              <a:ext uri="{FF2B5EF4-FFF2-40B4-BE49-F238E27FC236}">
-                <a16:creationId xmlns:a16="http://schemas.microsoft.com/office/drawing/2014/main" id="{5233671C-EFF4-4D58-9BFB-9C8D0A789998}"/>
-              </a:ext>
-            </a:extLst>
-          </p:cNvPr>
-          <p:cNvSpPr txBox="1"/>
-          <p:nvPr/>
-        </p:nvSpPr>
-        <p:spPr>
-          <a:xfrm>
-            <a:off x="0" y="6427113"/>
-            <a:ext cx="4687606" cy="430887"/>
-          </a:xfrm>
-          <a:prstGeom prst="rect">
-            <a:avLst/>
-          </a:prstGeom>
-          <a:noFill/>
-        </p:spPr>
-        <p:txBody>
-          <a:bodyPr wrap="square" rtlCol="0">
-            <a:spAutoFit/>
-          </a:bodyPr>
-          <a:lstStyle/>
-          <a:p>
-            <a:r>
-              <a:rPr lang="en-US" sz="1100">
-                <a:solidFill>
-                  <a:schemeClr val="bg2">
-                    <a:lumMod val="50000"/>
-                  </a:schemeClr>
-                </a:solidFill>
-              </a:rPr>
-              <a:t>Warren photographic</a:t>
-            </a:r>
-          </a:p>
-          <a:p>
-            <a:r>
-              <a:rPr lang="en-US" sz="1100">
-                <a:solidFill>
-                  <a:schemeClr val="bg2">
-                    <a:lumMod val="50000"/>
-                  </a:schemeClr>
-                </a:solidFill>
-              </a:rPr>
-              <a:t> - http://www.warrenphotographic.co.uk/13543-natural-bonsai-tree</a:t>
-            </a:r>
-          </a:p>
-        </p:txBody>
-      </p:sp>
-    </p:spTree>
-    <p:extLst>
-      <p:ext uri="{BB962C8B-B14F-4D97-AF65-F5344CB8AC3E}">
-        <p14:creationId xmlns:p14="http://schemas.microsoft.com/office/powerpoint/2010/main" val="3276958004"/>
-      </p:ext>
-    </p:extLst>
-  </p:cSld>
-  <p:clrMapOvr>
-    <a:masterClrMapping/>
-  </p:clrMapOvr>
-</p:sld>
-</file>
-
-<file path=ppt/slides/slide4.xml><?xml version="1.0" encoding="utf-8"?>
 <p:sld xmlns:a="http://schemas.openxmlformats.org/drawingml/2006/main" xmlns:r="http://schemas.openxmlformats.org/officeDocument/2006/relationships" xmlns:p="http://schemas.openxmlformats.org/presentationml/2006/main">
   <p:cSld>
     <p:spTree>
@@ -11881,7 +11988,463 @@
 </p:sld>
 </file>
 
-<file path=ppt/slides/slide5.xml><?xml version="1.0" encoding="utf-8"?>
+<file path=ppt/slides/slide30.xml><?xml version="1.0" encoding="utf-8"?>
+<p:sld xmlns:a="http://schemas.openxmlformats.org/drawingml/2006/main" xmlns:r="http://schemas.openxmlformats.org/officeDocument/2006/relationships" xmlns:p="http://schemas.openxmlformats.org/presentationml/2006/main">
+  <p:cSld>
+    <p:spTree>
+      <p:nvGrpSpPr>
+        <p:cNvPr id="1" name=""/>
+        <p:cNvGrpSpPr/>
+        <p:nvPr/>
+      </p:nvGrpSpPr>
+      <p:grpSpPr>
+        <a:xfrm>
+          <a:off x="0" y="0"/>
+          <a:ext cx="0" cy="0"/>
+          <a:chOff x="0" y="0"/>
+          <a:chExt cx="0" cy="0"/>
+        </a:xfrm>
+      </p:grpSpPr>
+      <p:pic>
+        <p:nvPicPr>
+          <p:cNvPr id="5122" name="Picture 2" descr="Warren photographic">
+            <a:extLst>
+              <a:ext uri="{FF2B5EF4-FFF2-40B4-BE49-F238E27FC236}">
+                <a16:creationId xmlns:a16="http://schemas.microsoft.com/office/drawing/2014/main" id="{D0F29EE3-E412-4AB5-91B6-291BF804C404}"/>
+              </a:ext>
+            </a:extLst>
+          </p:cNvPr>
+          <p:cNvPicPr>
+            <a:picLocks noChangeAspect="1" noChangeArrowheads="1"/>
+          </p:cNvPicPr>
+          <p:nvPr/>
+        </p:nvPicPr>
+        <p:blipFill rotWithShape="1">
+          <a:blip r:embed="rId3">
+            <a:extLst>
+              <a:ext uri="{28A0092B-C50C-407E-A947-70E740481C1C}">
+                <a14:useLocalDpi xmlns:a14="http://schemas.microsoft.com/office/drawing/2010/main" val="0"/>
+              </a:ext>
+            </a:extLst>
+          </a:blip>
+          <a:srcRect l="16440" r="42557" b="5469"/>
+          <a:stretch/>
+        </p:blipFill>
+        <p:spPr bwMode="auto">
+          <a:xfrm>
+            <a:off x="4687606" y="0"/>
+            <a:ext cx="4456400" cy="6858000"/>
+          </a:xfrm>
+          <a:prstGeom prst="rect">
+            <a:avLst/>
+          </a:prstGeom>
+          <a:noFill/>
+          <a:effectLst/>
+          <a:extLst>
+            <a:ext uri="{909E8E84-426E-40DD-AFC4-6F175D3DCCD1}">
+              <a14:hiddenFill xmlns:a14="http://schemas.microsoft.com/office/drawing/2010/main">
+                <a:solidFill>
+                  <a:srgbClr val="FFFFFF"/>
+                </a:solidFill>
+              </a14:hiddenFill>
+            </a:ext>
+          </a:extLst>
+        </p:spPr>
+      </p:pic>
+      <p:sp>
+        <p:nvSpPr>
+          <p:cNvPr id="2" name="Title 1">
+            <a:extLst>
+              <a:ext uri="{FF2B5EF4-FFF2-40B4-BE49-F238E27FC236}">
+                <a16:creationId xmlns:a16="http://schemas.microsoft.com/office/drawing/2014/main" id="{535FAEE3-9CBF-43F6-BC47-9F5520D6BB61}"/>
+              </a:ext>
+            </a:extLst>
+          </p:cNvPr>
+          <p:cNvSpPr>
+            <a:spLocks noGrp="1"/>
+          </p:cNvSpPr>
+          <p:nvPr>
+            <p:ph type="title"/>
+          </p:nvPr>
+        </p:nvSpPr>
+        <p:spPr>
+          <a:xfrm>
+            <a:off x="486697" y="629267"/>
+            <a:ext cx="3761223" cy="1676603"/>
+          </a:xfrm>
+        </p:spPr>
+        <p:txBody>
+          <a:bodyPr>
+            <a:normAutofit/>
+          </a:bodyPr>
+          <a:lstStyle/>
+          <a:p>
+            <a:pPr algn="ctr"/>
+            <a:r>
+              <a:rPr lang="en-US">
+                <a:latin typeface="Cambria (Headings)"/>
+              </a:rPr>
+              <a:t>HẾT</a:t>
+            </a:r>
+          </a:p>
+        </p:txBody>
+      </p:sp>
+      <p:sp>
+        <p:nvSpPr>
+          <p:cNvPr id="7" name="TextBox 6">
+            <a:extLst>
+              <a:ext uri="{FF2B5EF4-FFF2-40B4-BE49-F238E27FC236}">
+                <a16:creationId xmlns:a16="http://schemas.microsoft.com/office/drawing/2014/main" id="{7D53D676-8861-465F-8C2A-91F32B707C84}"/>
+              </a:ext>
+            </a:extLst>
+          </p:cNvPr>
+          <p:cNvSpPr txBox="1"/>
+          <p:nvPr/>
+        </p:nvSpPr>
+        <p:spPr>
+          <a:xfrm>
+            <a:off x="486698" y="2438401"/>
+            <a:ext cx="3761222" cy="3785419"/>
+          </a:xfrm>
+          <a:prstGeom prst="rect">
+            <a:avLst/>
+          </a:prstGeom>
+        </p:spPr>
+        <p:txBody>
+          <a:bodyPr rtlCol="0">
+            <a:normAutofit/>
+          </a:bodyPr>
+          <a:lstStyle/>
+          <a:p>
+            <a:pPr algn="ctr"/>
+            <a:r>
+              <a:rPr lang="en-US" sz="2800">
+                <a:latin typeface="Cambria" panose="02040503050406030204" pitchFamily="18" charset="0"/>
+              </a:rPr>
+              <a:t>CẢM </a:t>
+            </a:r>
+            <a:r>
+              <a:rPr lang="vi-VN" sz="2800">
+                <a:latin typeface="Cambria" panose="02040503050406030204" pitchFamily="18" charset="0"/>
+              </a:rPr>
+              <a:t>Ơ</a:t>
+            </a:r>
+            <a:r>
+              <a:rPr lang="en-US" sz="2800">
+                <a:latin typeface="Cambria" panose="02040503050406030204" pitchFamily="18" charset="0"/>
+              </a:rPr>
+              <a:t>N THẦY CÔ VÀ CÁC BẠN ĐÃ LẮNG NGHE</a:t>
+            </a:r>
+            <a:endParaRPr lang="en-US" sz="2800">
+              <a:latin typeface="Cambria (Headings)"/>
+            </a:endParaRPr>
+          </a:p>
+        </p:txBody>
+      </p:sp>
+      <p:sp>
+        <p:nvSpPr>
+          <p:cNvPr id="3" name="TextBox 2">
+            <a:extLst>
+              <a:ext uri="{FF2B5EF4-FFF2-40B4-BE49-F238E27FC236}">
+                <a16:creationId xmlns:a16="http://schemas.microsoft.com/office/drawing/2014/main" id="{5233671C-EFF4-4D58-9BFB-9C8D0A789998}"/>
+              </a:ext>
+            </a:extLst>
+          </p:cNvPr>
+          <p:cNvSpPr txBox="1"/>
+          <p:nvPr/>
+        </p:nvSpPr>
+        <p:spPr>
+          <a:xfrm>
+            <a:off x="0" y="6427113"/>
+            <a:ext cx="4687606" cy="430887"/>
+          </a:xfrm>
+          <a:prstGeom prst="rect">
+            <a:avLst/>
+          </a:prstGeom>
+          <a:noFill/>
+        </p:spPr>
+        <p:txBody>
+          <a:bodyPr wrap="square" rtlCol="0">
+            <a:spAutoFit/>
+          </a:bodyPr>
+          <a:lstStyle/>
+          <a:p>
+            <a:r>
+              <a:rPr lang="en-US" sz="1100">
+                <a:solidFill>
+                  <a:schemeClr val="bg2">
+                    <a:lumMod val="50000"/>
+                  </a:schemeClr>
+                </a:solidFill>
+              </a:rPr>
+              <a:t>Warren photographic</a:t>
+            </a:r>
+          </a:p>
+          <a:p>
+            <a:r>
+              <a:rPr lang="en-US" sz="1100">
+                <a:solidFill>
+                  <a:schemeClr val="bg2">
+                    <a:lumMod val="50000"/>
+                  </a:schemeClr>
+                </a:solidFill>
+              </a:rPr>
+              <a:t> - http://www.warrenphotographic.co.uk/13543-natural-bonsai-tree</a:t>
+            </a:r>
+          </a:p>
+        </p:txBody>
+      </p:sp>
+    </p:spTree>
+    <p:extLst>
+      <p:ext uri="{BB962C8B-B14F-4D97-AF65-F5344CB8AC3E}">
+        <p14:creationId xmlns:p14="http://schemas.microsoft.com/office/powerpoint/2010/main" val="3276958004"/>
+      </p:ext>
+    </p:extLst>
+  </p:cSld>
+  <p:clrMapOvr>
+    <a:masterClrMapping/>
+  </p:clrMapOvr>
+</p:sld>
+</file>
+
+<file path=ppt/slides/slide31.xml><?xml version="1.0" encoding="utf-8"?>
+<p:sld xmlns:a="http://schemas.openxmlformats.org/drawingml/2006/main" xmlns:r="http://schemas.openxmlformats.org/officeDocument/2006/relationships" xmlns:p="http://schemas.openxmlformats.org/presentationml/2006/main">
+  <p:cSld>
+    <p:spTree>
+      <p:nvGrpSpPr>
+        <p:cNvPr id="1" name=""/>
+        <p:cNvGrpSpPr/>
+        <p:nvPr/>
+      </p:nvGrpSpPr>
+      <p:grpSpPr>
+        <a:xfrm>
+          <a:off x="0" y="0"/>
+          <a:ext cx="0" cy="0"/>
+          <a:chOff x="0" y="0"/>
+          <a:chExt cx="0" cy="0"/>
+        </a:xfrm>
+      </p:grpSpPr>
+      <p:sp>
+        <p:nvSpPr>
+          <p:cNvPr id="2" name="Title 1">
+            <a:extLst>
+              <a:ext uri="{FF2B5EF4-FFF2-40B4-BE49-F238E27FC236}">
+                <a16:creationId xmlns:a16="http://schemas.microsoft.com/office/drawing/2014/main" id="{535FAEE3-9CBF-43F6-BC47-9F5520D6BB61}"/>
+              </a:ext>
+            </a:extLst>
+          </p:cNvPr>
+          <p:cNvSpPr>
+            <a:spLocks noGrp="1"/>
+          </p:cNvSpPr>
+          <p:nvPr>
+            <p:ph type="title"/>
+          </p:nvPr>
+        </p:nvSpPr>
+        <p:spPr>
+          <a:xfrm>
+            <a:off x="486697" y="629267"/>
+            <a:ext cx="2672555" cy="1676603"/>
+          </a:xfrm>
+        </p:spPr>
+        <p:txBody>
+          <a:bodyPr>
+            <a:normAutofit/>
+          </a:bodyPr>
+          <a:lstStyle/>
+          <a:p>
+            <a:pPr algn="ctr"/>
+            <a:r>
+              <a:rPr lang="en-US" sz="3600">
+                <a:latin typeface="Cambria (Headings)"/>
+              </a:rPr>
+              <a:t>GIỚI THIỆU</a:t>
+            </a:r>
+          </a:p>
+        </p:txBody>
+      </p:sp>
+      <p:sp>
+        <p:nvSpPr>
+          <p:cNvPr id="7" name="TextBox 6">
+            <a:extLst>
+              <a:ext uri="{FF2B5EF4-FFF2-40B4-BE49-F238E27FC236}">
+                <a16:creationId xmlns:a16="http://schemas.microsoft.com/office/drawing/2014/main" id="{7D53D676-8861-465F-8C2A-91F32B707C84}"/>
+              </a:ext>
+            </a:extLst>
+          </p:cNvPr>
+          <p:cNvSpPr txBox="1"/>
+          <p:nvPr/>
+        </p:nvSpPr>
+        <p:spPr>
+          <a:xfrm>
+            <a:off x="486696" y="1907285"/>
+            <a:ext cx="2672555" cy="4247317"/>
+          </a:xfrm>
+          <a:prstGeom prst="rect">
+            <a:avLst/>
+          </a:prstGeom>
+          <a:noFill/>
+        </p:spPr>
+        <p:txBody>
+          <a:bodyPr wrap="square" rtlCol="0">
+            <a:spAutoFit/>
+          </a:bodyPr>
+          <a:lstStyle/>
+          <a:p>
+            <a:pPr algn="ctr"/>
+            <a:r>
+              <a:rPr lang="en-US" sz="5400">
+                <a:latin typeface="+mj-lt"/>
+              </a:rPr>
+              <a:t>Chatbot giải tiếng Anh tự động</a:t>
+            </a:r>
+          </a:p>
+        </p:txBody>
+      </p:sp>
+      <p:pic>
+        <p:nvPicPr>
+          <p:cNvPr id="8" name="Picture 6" descr="Kết quả hình ảnh cho learning english">
+            <a:extLst>
+              <a:ext uri="{FF2B5EF4-FFF2-40B4-BE49-F238E27FC236}">
+                <a16:creationId xmlns:a16="http://schemas.microsoft.com/office/drawing/2014/main" id="{9A73820F-3ED1-4B76-9F19-194DA7D4DBB4}"/>
+              </a:ext>
+            </a:extLst>
+          </p:cNvPr>
+          <p:cNvPicPr>
+            <a:picLocks noChangeAspect="1" noChangeArrowheads="1"/>
+          </p:cNvPicPr>
+          <p:nvPr/>
+        </p:nvPicPr>
+        <p:blipFill rotWithShape="1">
+          <a:blip r:embed="rId3">
+            <a:extLst>
+              <a:ext uri="{28A0092B-C50C-407E-A947-70E740481C1C}">
+                <a14:useLocalDpi xmlns:a14="http://schemas.microsoft.com/office/drawing/2010/main" val="0"/>
+              </a:ext>
+            </a:extLst>
+          </a:blip>
+          <a:srcRect l="15342" r="42094"/>
+          <a:stretch/>
+        </p:blipFill>
+        <p:spPr bwMode="auto">
+          <a:xfrm>
+            <a:off x="3575538" y="0"/>
+            <a:ext cx="5568462" cy="6858000"/>
+          </a:xfrm>
+          <a:prstGeom prst="rect">
+            <a:avLst/>
+          </a:prstGeom>
+          <a:noFill/>
+          <a:extLst>
+            <a:ext uri="{909E8E84-426E-40DD-AFC4-6F175D3DCCD1}">
+              <a14:hiddenFill xmlns:a14="http://schemas.microsoft.com/office/drawing/2010/main">
+                <a:solidFill>
+                  <a:srgbClr val="FFFFFF"/>
+                </a:solidFill>
+              </a14:hiddenFill>
+            </a:ext>
+          </a:extLst>
+        </p:spPr>
+      </p:pic>
+    </p:spTree>
+    <p:extLst>
+      <p:ext uri="{BB962C8B-B14F-4D97-AF65-F5344CB8AC3E}">
+        <p14:creationId xmlns:p14="http://schemas.microsoft.com/office/powerpoint/2010/main" val="1689501417"/>
+      </p:ext>
+    </p:extLst>
+  </p:cSld>
+  <p:clrMapOvr>
+    <a:masterClrMapping/>
+  </p:clrMapOvr>
+  <p:timing>
+    <p:tnLst>
+      <p:par>
+        <p:cTn id="1" dur="indefinite" restart="never" nodeType="tmRoot">
+          <p:childTnLst>
+            <p:seq concurrent="1" nextAc="seek">
+              <p:cTn id="2" dur="indefinite" nodeType="mainSeq">
+                <p:childTnLst>
+                  <p:par>
+                    <p:cTn id="3" fill="hold">
+                      <p:stCondLst>
+                        <p:cond delay="indefinite"/>
+                      </p:stCondLst>
+                      <p:childTnLst>
+                        <p:par>
+                          <p:cTn id="4" fill="hold">
+                            <p:stCondLst>
+                              <p:cond delay="0"/>
+                            </p:stCondLst>
+                            <p:childTnLst>
+                              <p:par>
+                                <p:cTn id="5" presetID="10" presetClass="entr" presetSubtype="0" fill="hold" grpId="0" nodeType="clickEffect">
+                                  <p:stCondLst>
+                                    <p:cond delay="0"/>
+                                  </p:stCondLst>
+                                  <p:childTnLst>
+                                    <p:set>
+                                      <p:cBhvr>
+                                        <p:cTn id="6" dur="1" fill="hold">
+                                          <p:stCondLst>
+                                            <p:cond delay="0"/>
+                                          </p:stCondLst>
+                                        </p:cTn>
+                                        <p:tgtEl>
+                                          <p:spTgt spid="7"/>
+                                        </p:tgtEl>
+                                        <p:attrNameLst>
+                                          <p:attrName>style.visibility</p:attrName>
+                                        </p:attrNameLst>
+                                      </p:cBhvr>
+                                      <p:to>
+                                        <p:strVal val="visible"/>
+                                      </p:to>
+                                    </p:set>
+                                    <p:animEffect transition="in" filter="fade">
+                                      <p:cBhvr>
+                                        <p:cTn id="7" dur="500"/>
+                                        <p:tgtEl>
+                                          <p:spTgt spid="7"/>
+                                        </p:tgtEl>
+                                      </p:cBhvr>
+                                    </p:animEffect>
+                                  </p:childTnLst>
+                                </p:cTn>
+                              </p:par>
+                            </p:childTnLst>
+                          </p:cTn>
+                        </p:par>
+                      </p:childTnLst>
+                    </p:cTn>
+                  </p:par>
+                </p:childTnLst>
+              </p:cTn>
+              <p:prevCondLst>
+                <p:cond evt="onPrev" delay="0">
+                  <p:tgtEl>
+                    <p:sldTgt/>
+                  </p:tgtEl>
+                </p:cond>
+              </p:prevCondLst>
+              <p:nextCondLst>
+                <p:cond evt="onNext" delay="0">
+                  <p:tgtEl>
+                    <p:sldTgt/>
+                  </p:tgtEl>
+                </p:cond>
+              </p:nextCondLst>
+            </p:seq>
+          </p:childTnLst>
+        </p:cTn>
+      </p:par>
+    </p:tnLst>
+    <p:bldLst>
+      <p:bldP spid="7" grpId="0"/>
+    </p:bldLst>
+  </p:timing>
+</p:sld>
+</file>
+
+<file path=ppt/slides/slide4.xml><?xml version="1.0" encoding="utf-8"?>
 <p:sld xmlns:a="http://schemas.openxmlformats.org/drawingml/2006/main" xmlns:r="http://schemas.openxmlformats.org/officeDocument/2006/relationships" xmlns:p="http://schemas.openxmlformats.org/presentationml/2006/main">
   <p:cSld>
     <p:spTree>
@@ -12125,7 +12688,7 @@
 </p:sld>
 </file>
 
-<file path=ppt/slides/slide6.xml><?xml version="1.0" encoding="utf-8"?>
+<file path=ppt/slides/slide5.xml><?xml version="1.0" encoding="utf-8"?>
 <p:sld xmlns:a="http://schemas.openxmlformats.org/drawingml/2006/main" xmlns:r="http://schemas.openxmlformats.org/officeDocument/2006/relationships" xmlns:p="http://schemas.openxmlformats.org/presentationml/2006/main">
   <p:cSld>
     <p:spTree>
@@ -12302,7 +12865,7 @@
               <a:rPr lang="en-US" sz="3000">
                 <a:latin typeface="Cambria" panose="02040503050406030204" pitchFamily="18" charset="0"/>
               </a:rPr>
-              <a:t>Mô hình Word Vector</a:t>
+              <a:t>Mô hình word vector</a:t>
             </a:r>
           </a:p>
           <a:p>
@@ -12330,7 +12893,7 @@
 </p:sld>
 </file>
 
-<file path=ppt/slides/slide7.xml><?xml version="1.0" encoding="utf-8"?>
+<file path=ppt/slides/slide6.xml><?xml version="1.0" encoding="utf-8"?>
 <p:sld xmlns:a="http://schemas.openxmlformats.org/drawingml/2006/main" xmlns:r="http://schemas.openxmlformats.org/officeDocument/2006/relationships" xmlns:p="http://schemas.openxmlformats.org/presentationml/2006/main">
   <p:cSld>
     <p:spTree>
@@ -12513,7 +13076,7 @@
 </p:sld>
 </file>
 
-<file path=ppt/slides/slide8.xml><?xml version="1.0" encoding="utf-8"?>
+<file path=ppt/slides/slide7.xml><?xml version="1.0" encoding="utf-8"?>
 <p:sld xmlns:a="http://schemas.openxmlformats.org/drawingml/2006/main" xmlns:r="http://schemas.openxmlformats.org/officeDocument/2006/relationships" xmlns:p="http://schemas.openxmlformats.org/presentationml/2006/main">
   <p:cSld>
     <p:spTree>
@@ -12676,7 +13239,7 @@
 </p:sld>
 </file>
 
-<file path=ppt/slides/slide9.xml><?xml version="1.0" encoding="utf-8"?>
+<file path=ppt/slides/slide8.xml><?xml version="1.0" encoding="utf-8"?>
 <p:sld xmlns:a="http://schemas.openxmlformats.org/drawingml/2006/main" xmlns:r="http://schemas.openxmlformats.org/officeDocument/2006/relationships" xmlns:p="http://schemas.openxmlformats.org/presentationml/2006/main">
   <p:cSld>
     <p:spTree>
@@ -12834,6 +13397,164 @@
     <p:extLst>
       <p:ext uri="{BB962C8B-B14F-4D97-AF65-F5344CB8AC3E}">
         <p14:creationId xmlns:p14="http://schemas.microsoft.com/office/powerpoint/2010/main" val="3041935663"/>
+      </p:ext>
+    </p:extLst>
+  </p:cSld>
+  <p:clrMapOvr>
+    <a:masterClrMapping/>
+  </p:clrMapOvr>
+</p:sld>
+</file>
+
+<file path=ppt/slides/slide9.xml><?xml version="1.0" encoding="utf-8"?>
+<p:sld xmlns:a="http://schemas.openxmlformats.org/drawingml/2006/main" xmlns:r="http://schemas.openxmlformats.org/officeDocument/2006/relationships" xmlns:p="http://schemas.openxmlformats.org/presentationml/2006/main">
+  <p:cSld>
+    <p:spTree>
+      <p:nvGrpSpPr>
+        <p:cNvPr id="1" name=""/>
+        <p:cNvGrpSpPr/>
+        <p:nvPr/>
+      </p:nvGrpSpPr>
+      <p:grpSpPr>
+        <a:xfrm>
+          <a:off x="0" y="0"/>
+          <a:ext cx="0" cy="0"/>
+          <a:chOff x="0" y="0"/>
+          <a:chExt cx="0" cy="0"/>
+        </a:xfrm>
+      </p:grpSpPr>
+      <p:sp>
+        <p:nvSpPr>
+          <p:cNvPr id="2" name="Title 1">
+            <a:extLst>
+              <a:ext uri="{FF2B5EF4-FFF2-40B4-BE49-F238E27FC236}">
+                <a16:creationId xmlns:a16="http://schemas.microsoft.com/office/drawing/2014/main" id="{535FAEE3-9CBF-43F6-BC47-9F5520D6BB61}"/>
+              </a:ext>
+            </a:extLst>
+          </p:cNvPr>
+          <p:cNvSpPr>
+            <a:spLocks noGrp="1"/>
+          </p:cNvSpPr>
+          <p:nvPr>
+            <p:ph type="title"/>
+          </p:nvPr>
+        </p:nvSpPr>
+        <p:spPr>
+          <a:xfrm>
+            <a:off x="486698" y="629267"/>
+            <a:ext cx="4917640" cy="1676603"/>
+          </a:xfrm>
+        </p:spPr>
+        <p:txBody>
+          <a:bodyPr>
+            <a:normAutofit/>
+          </a:bodyPr>
+          <a:lstStyle/>
+          <a:p>
+            <a:pPr algn="ctr"/>
+            <a:r>
+              <a:rPr lang="en-US" sz="3600">
+                <a:latin typeface="Cambria (Headings)"/>
+              </a:rPr>
+              <a:t>MÔ HÌNH ĐỀ XUẤT</a:t>
+            </a:r>
+          </a:p>
+        </p:txBody>
+      </p:sp>
+      <p:sp>
+        <p:nvSpPr>
+          <p:cNvPr id="7" name="Rectangle 6">
+            <a:extLst>
+              <a:ext uri="{FF2B5EF4-FFF2-40B4-BE49-F238E27FC236}">
+                <a16:creationId xmlns:a16="http://schemas.microsoft.com/office/drawing/2014/main" id="{418C6D75-5BD4-468C-9CFD-B0EF09230737}"/>
+              </a:ext>
+            </a:extLst>
+          </p:cNvPr>
+          <p:cNvSpPr/>
+          <p:nvPr/>
+        </p:nvSpPr>
+        <p:spPr>
+          <a:xfrm>
+            <a:off x="523142" y="2759215"/>
+            <a:ext cx="2735873" cy="954107"/>
+          </a:xfrm>
+          <a:prstGeom prst="rect">
+            <a:avLst/>
+          </a:prstGeom>
+        </p:spPr>
+        <p:txBody>
+          <a:bodyPr wrap="square">
+            <a:spAutoFit/>
+          </a:bodyPr>
+          <a:lstStyle/>
+          <a:p>
+            <a:pPr marL="457200" indent="-457200">
+              <a:buFont typeface="Arial" panose="020B0604020202020204" pitchFamily="34" charset="0"/>
+              <a:buChar char="•"/>
+            </a:pPr>
+            <a:r>
+              <a:rPr lang="en-US" sz="2800">
+                <a:latin typeface="Cambria" panose="02040503050406030204" pitchFamily="18" charset="0"/>
+                <a:cs typeface="Times New Roman" panose="02020603050405020304" pitchFamily="18" charset="0"/>
+              </a:rPr>
+              <a:t>Ngữ liệu</a:t>
+            </a:r>
+          </a:p>
+          <a:p>
+            <a:pPr marL="457200" indent="-457200">
+              <a:buFont typeface="Arial" panose="020B0604020202020204" pitchFamily="34" charset="0"/>
+              <a:buChar char="•"/>
+            </a:pPr>
+            <a:r>
+              <a:rPr lang="en-US" sz="2800">
+                <a:latin typeface="Cambria" panose="02040503050406030204" pitchFamily="18" charset="0"/>
+                <a:cs typeface="Times New Roman" panose="02020603050405020304" pitchFamily="18" charset="0"/>
+              </a:rPr>
+              <a:t>Thuật giải</a:t>
+            </a:r>
+            <a:endParaRPr lang="en-US" sz="2800"/>
+          </a:p>
+        </p:txBody>
+      </p:sp>
+      <p:pic>
+        <p:nvPicPr>
+          <p:cNvPr id="11" name="Picture 10" descr="A close up of a logo&#10;&#10;Description generated with very high confidence">
+            <a:extLst>
+              <a:ext uri="{FF2B5EF4-FFF2-40B4-BE49-F238E27FC236}">
+                <a16:creationId xmlns:a16="http://schemas.microsoft.com/office/drawing/2014/main" id="{705D3963-9BF4-4F9E-8773-C47F81B7839F}"/>
+              </a:ext>
+            </a:extLst>
+          </p:cNvPr>
+          <p:cNvPicPr>
+            <a:picLocks noChangeAspect="1"/>
+          </p:cNvPicPr>
+          <p:nvPr/>
+        </p:nvPicPr>
+        <p:blipFill rotWithShape="1">
+          <a:blip r:embed="rId3">
+            <a:extLst>
+              <a:ext uri="{28A0092B-C50C-407E-A947-70E740481C1C}">
+                <a14:useLocalDpi xmlns:a14="http://schemas.microsoft.com/office/drawing/2010/main" val="0"/>
+              </a:ext>
+            </a:extLst>
+          </a:blip>
+          <a:srcRect l="11274" t="13163" r="15326" b="18290"/>
+          <a:stretch/>
+        </p:blipFill>
+        <p:spPr>
+          <a:xfrm>
+            <a:off x="6031390" y="0"/>
+            <a:ext cx="3112610" cy="6858000"/>
+          </a:xfrm>
+          <a:prstGeom prst="rect">
+            <a:avLst/>
+          </a:prstGeom>
+        </p:spPr>
+      </p:pic>
+    </p:spTree>
+    <p:extLst>
+      <p:ext uri="{BB962C8B-B14F-4D97-AF65-F5344CB8AC3E}">
+        <p14:creationId xmlns:p14="http://schemas.microsoft.com/office/powerpoint/2010/main" val="1600200048"/>
       </p:ext>
     </p:extLst>
   </p:cSld>
